--- a/reflections-on-reflecting-trust-slides.pptx
+++ b/reflections-on-reflecting-trust-slides.pptx
@@ -237,7 +237,7 @@
           <a:p>
             <a:fld id="{DBB36151-A010-D04C-8956-928746249808}" type="datetimeFigureOut">
               <a:rPr lang="en-US" smtClean="0"/>
-              <a:t>1/14/2016</a:t>
+              <a:t>1/23/2016</a:t>
             </a:fld>
             <a:endParaRPr lang="en-US"/>
           </a:p>
@@ -402,7 +402,7 @@
           <a:p>
             <a:fld id="{A4C7C88C-CDFE-4350-B2C5-3C6CAEFDB07C}" type="datetimeFigureOut">
               <a:rPr lang="en-SG" smtClean="0"/>
-              <a:t>14/1/2016</a:t>
+              <a:t>23/1/2016</a:t>
             </a:fld>
             <a:endParaRPr lang="en-SG"/>
           </a:p>
@@ -801,7 +801,7 @@
           <a:p>
             <a:fld id="{422F67E2-38E7-4A1D-97B7-1A3D76F52D34}" type="datetime1">
               <a:rPr lang="en-SG" smtClean="0"/>
-              <a:t>14/1/2016</a:t>
+              <a:t>23/1/2016</a:t>
             </a:fld>
             <a:endParaRPr lang="en-SG"/>
           </a:p>
@@ -971,7 +971,7 @@
           <a:p>
             <a:fld id="{571D26BE-CF29-49E8-90A9-693FA176DA2E}" type="datetime1">
               <a:rPr lang="en-SG" smtClean="0"/>
-              <a:t>14/1/2016</a:t>
+              <a:t>23/1/2016</a:t>
             </a:fld>
             <a:endParaRPr lang="en-SG"/>
           </a:p>
@@ -1151,7 +1151,7 @@
           <a:p>
             <a:fld id="{9465F57D-487B-4FA9-9804-4E6B1445D87E}" type="datetime1">
               <a:rPr lang="en-SG" smtClean="0"/>
-              <a:t>14/1/2016</a:t>
+              <a:t>23/1/2016</a:t>
             </a:fld>
             <a:endParaRPr lang="en-SG"/>
           </a:p>
@@ -1321,7 +1321,7 @@
           <a:p>
             <a:fld id="{FF100F33-09D9-4424-9CFF-3583AE8E001C}" type="datetime1">
               <a:rPr lang="en-SG" smtClean="0"/>
-              <a:t>14/1/2016</a:t>
+              <a:t>23/1/2016</a:t>
             </a:fld>
             <a:endParaRPr lang="en-SG"/>
           </a:p>
@@ -1565,7 +1565,7 @@
           <a:p>
             <a:fld id="{FEDF4C57-AE9B-4009-AE25-E54332066983}" type="datetime1">
               <a:rPr lang="en-SG" smtClean="0"/>
-              <a:t>14/1/2016</a:t>
+              <a:t>23/1/2016</a:t>
             </a:fld>
             <a:endParaRPr lang="en-SG"/>
           </a:p>
@@ -1797,7 +1797,7 @@
           <a:p>
             <a:fld id="{8804DBDF-77D8-4526-82F0-2FD9258F6F4E}" type="datetime1">
               <a:rPr lang="en-SG" smtClean="0"/>
-              <a:t>14/1/2016</a:t>
+              <a:t>23/1/2016</a:t>
             </a:fld>
             <a:endParaRPr lang="en-SG"/>
           </a:p>
@@ -2164,7 +2164,7 @@
           <a:p>
             <a:fld id="{2EDDACF3-1137-43EC-8B9B-FFC39405A05F}" type="datetime1">
               <a:rPr lang="en-SG" smtClean="0"/>
-              <a:t>14/1/2016</a:t>
+              <a:t>23/1/2016</a:t>
             </a:fld>
             <a:endParaRPr lang="en-SG"/>
           </a:p>
@@ -2282,7 +2282,7 @@
           <a:p>
             <a:fld id="{7EA35B8A-1AE7-4E07-AA62-B18CC233816A}" type="datetime1">
               <a:rPr lang="en-SG" smtClean="0"/>
-              <a:t>14/1/2016</a:t>
+              <a:t>23/1/2016</a:t>
             </a:fld>
             <a:endParaRPr lang="en-SG"/>
           </a:p>
@@ -2377,7 +2377,7 @@
           <a:p>
             <a:fld id="{3E5DB0B1-4D46-4B8D-87D9-ED3A0D6268D9}" type="datetime1">
               <a:rPr lang="en-SG" smtClean="0"/>
-              <a:t>14/1/2016</a:t>
+              <a:t>23/1/2016</a:t>
             </a:fld>
             <a:endParaRPr lang="en-SG"/>
           </a:p>
@@ -2654,7 +2654,7 @@
           <a:p>
             <a:fld id="{B5FAF827-52F0-4265-95B3-9B7BE33238A1}" type="datetime1">
               <a:rPr lang="en-SG" smtClean="0"/>
-              <a:t>14/1/2016</a:t>
+              <a:t>23/1/2016</a:t>
             </a:fld>
             <a:endParaRPr lang="en-SG"/>
           </a:p>
@@ -2911,7 +2911,7 @@
           <a:p>
             <a:fld id="{FB910920-7330-4500-8EED-E7F9B59504DB}" type="datetime1">
               <a:rPr lang="en-SG" smtClean="0"/>
-              <a:t>14/1/2016</a:t>
+              <a:t>23/1/2016</a:t>
             </a:fld>
             <a:endParaRPr lang="en-SG"/>
           </a:p>
@@ -3124,7 +3124,7 @@
           <a:p>
             <a:fld id="{049282E9-B576-43F6-B614-0FB8874DC925}" type="datetime1">
               <a:rPr lang="en-SG" smtClean="0"/>
-              <a:t>14/1/2016</a:t>
+              <a:t>23/1/2016</a:t>
             </a:fld>
             <a:endParaRPr lang="en-SG"/>
           </a:p>
@@ -8005,36 +8005,6 @@
           </a:p>
         </p:txBody>
       </p:sp>
-      <p:pic>
-        <p:nvPicPr>
-          <p:cNvPr id="5" name="Picture 4"/>
-          <p:cNvPicPr>
-            <a:picLocks noChangeAspect="1"/>
-          </p:cNvPicPr>
-          <p:nvPr/>
-        </p:nvPicPr>
-        <p:blipFill>
-          <a:blip r:embed="rId2">
-            <a:extLst>
-              <a:ext uri="{28A0092B-C50C-407E-A947-70E740481C1C}">
-                <a14:useLocalDpi xmlns:a14="http://schemas.microsoft.com/office/drawing/2010/main" val="0"/>
-              </a:ext>
-            </a:extLst>
-          </a:blip>
-          <a:stretch>
-            <a:fillRect/>
-          </a:stretch>
-        </p:blipFill>
-        <p:spPr>
-          <a:xfrm>
-            <a:off x="238244" y="1848707"/>
-            <a:ext cx="3225641" cy="3672568"/>
-          </a:xfrm>
-          <a:prstGeom prst="rect">
-            <a:avLst/>
-          </a:prstGeom>
-        </p:spPr>
-      </p:pic>
       <p:sp>
         <p:nvSpPr>
           <p:cNvPr id="3" name="Rounded Rectangle 2"/>
@@ -8043,12 +8013,20 @@
         </p:nvSpPr>
         <p:spPr>
           <a:xfrm>
-            <a:off x="5622661" y="3400617"/>
+            <a:off x="4445710" y="3608443"/>
             <a:ext cx="1423264" cy="571500"/>
           </a:xfrm>
           <a:prstGeom prst="roundRect">
             <a:avLst/>
           </a:prstGeom>
+          <a:solidFill>
+            <a:schemeClr val="accent1"/>
+          </a:solidFill>
+          <a:ln>
+            <a:solidFill>
+              <a:schemeClr val="accent1"/>
+            </a:solidFill>
+          </a:ln>
         </p:spPr>
         <p:style>
           <a:lnRef idx="2">
@@ -8094,10 +8072,628 @@
         </p:nvSpPr>
         <p:spPr>
           <a:xfrm>
-            <a:off x="6177011" y="2478830"/>
+            <a:off x="5000060" y="2451669"/>
             <a:ext cx="1309639" cy="479812"/>
           </a:xfrm>
           <a:prstGeom prst="rect">
+            <a:avLst/>
+          </a:prstGeom>
+          <a:ln>
+            <a:solidFill>
+              <a:schemeClr val="accent1"/>
+            </a:solidFill>
+          </a:ln>
+        </p:spPr>
+        <p:style>
+          <a:lnRef idx="2">
+            <a:schemeClr val="accent1">
+              <a:shade val="50000"/>
+            </a:schemeClr>
+          </a:lnRef>
+          <a:fillRef idx="1">
+            <a:schemeClr val="accent1"/>
+          </a:fillRef>
+          <a:effectRef idx="0">
+            <a:schemeClr val="accent1"/>
+          </a:effectRef>
+          <a:fontRef idx="minor">
+            <a:schemeClr val="lt1"/>
+          </a:fontRef>
+        </p:style>
+        <p:txBody>
+          <a:bodyPr rtlCol="0" anchor="ctr"/>
+          <a:lstStyle/>
+          <a:p>
+            <a:pPr algn="ctr"/>
+            <a:r>
+              <a:rPr lang="en-SG" sz="1400" dirty="0" smtClean="0"/>
+              <a:t>C-Compiler</a:t>
+            </a:r>
+            <a:endParaRPr lang="en-SG" sz="1400" dirty="0"/>
+          </a:p>
+        </p:txBody>
+      </p:sp>
+      <p:sp>
+        <p:nvSpPr>
+          <p:cNvPr id="8" name="Oval 7"/>
+          <p:cNvSpPr/>
+          <p:nvPr/>
+        </p:nvSpPr>
+        <p:spPr>
+          <a:xfrm>
+            <a:off x="2066549" y="1298783"/>
+            <a:ext cx="1328500" cy="669449"/>
+          </a:xfrm>
+          <a:prstGeom prst="ellipse">
+            <a:avLst/>
+          </a:prstGeom>
+          <a:ln>
+            <a:solidFill>
+              <a:schemeClr val="accent1"/>
+            </a:solidFill>
+          </a:ln>
+        </p:spPr>
+        <p:style>
+          <a:lnRef idx="2">
+            <a:schemeClr val="accent1">
+              <a:shade val="50000"/>
+            </a:schemeClr>
+          </a:lnRef>
+          <a:fillRef idx="1">
+            <a:schemeClr val="accent1"/>
+          </a:fillRef>
+          <a:effectRef idx="0">
+            <a:schemeClr val="accent1"/>
+          </a:effectRef>
+          <a:fontRef idx="minor">
+            <a:schemeClr val="lt1"/>
+          </a:fontRef>
+        </p:style>
+        <p:txBody>
+          <a:bodyPr rtlCol="0" anchor="ctr"/>
+          <a:lstStyle/>
+          <a:p>
+            <a:pPr algn="ctr"/>
+            <a:r>
+              <a:rPr lang="en-SG" sz="1400" dirty="0" smtClean="0"/>
+              <a:t>C-compiler source</a:t>
+            </a:r>
+            <a:endParaRPr lang="en-SG" sz="1400" dirty="0"/>
+          </a:p>
+        </p:txBody>
+      </p:sp>
+      <p:sp>
+        <p:nvSpPr>
+          <p:cNvPr id="9" name="Rectangle 8"/>
+          <p:cNvSpPr/>
+          <p:nvPr/>
+        </p:nvSpPr>
+        <p:spPr>
+          <a:xfrm>
+            <a:off x="2518041" y="3649847"/>
+            <a:ext cx="1371998" cy="488691"/>
+          </a:xfrm>
+          <a:prstGeom prst="rect">
+            <a:avLst/>
+          </a:prstGeom>
+          <a:solidFill>
+            <a:srgbClr val="C00000"/>
+          </a:solidFill>
+          <a:ln>
+            <a:solidFill>
+              <a:srgbClr val="C00000"/>
+            </a:solidFill>
+          </a:ln>
+        </p:spPr>
+        <p:style>
+          <a:lnRef idx="2">
+            <a:schemeClr val="accent1">
+              <a:shade val="50000"/>
+            </a:schemeClr>
+          </a:lnRef>
+          <a:fillRef idx="1">
+            <a:schemeClr val="accent1"/>
+          </a:fillRef>
+          <a:effectRef idx="0">
+            <a:schemeClr val="accent1"/>
+          </a:effectRef>
+          <a:fontRef idx="minor">
+            <a:schemeClr val="lt1"/>
+          </a:fontRef>
+        </p:style>
+        <p:txBody>
+          <a:bodyPr rtlCol="0" anchor="ctr"/>
+          <a:lstStyle/>
+          <a:p>
+            <a:pPr algn="ctr"/>
+            <a:r>
+              <a:rPr lang="en-SG" sz="1400" dirty="0" smtClean="0"/>
+              <a:t>C-Compiler </a:t>
+            </a:r>
+            <a:r>
+              <a:rPr lang="en-SG" sz="1400" dirty="0"/>
+              <a:t>b</a:t>
+            </a:r>
+            <a:r>
+              <a:rPr lang="en-SG" sz="1400" dirty="0" smtClean="0"/>
+              <a:t>ackdoor binary</a:t>
+            </a:r>
+            <a:endParaRPr lang="en-SG" sz="1400" dirty="0"/>
+          </a:p>
+        </p:txBody>
+      </p:sp>
+      <p:sp>
+        <p:nvSpPr>
+          <p:cNvPr id="10" name="Oval 9"/>
+          <p:cNvSpPr/>
+          <p:nvPr/>
+        </p:nvSpPr>
+        <p:spPr>
+          <a:xfrm>
+            <a:off x="4047712" y="1298783"/>
+            <a:ext cx="1319012" cy="690757"/>
+          </a:xfrm>
+          <a:prstGeom prst="ellipse">
+            <a:avLst/>
+          </a:prstGeom>
+          <a:solidFill>
+            <a:srgbClr val="00B050"/>
+          </a:solidFill>
+          <a:ln>
+            <a:solidFill>
+              <a:srgbClr val="00B050"/>
+            </a:solidFill>
+          </a:ln>
+        </p:spPr>
+        <p:style>
+          <a:lnRef idx="2">
+            <a:schemeClr val="accent1">
+              <a:shade val="50000"/>
+            </a:schemeClr>
+          </a:lnRef>
+          <a:fillRef idx="1">
+            <a:schemeClr val="accent1"/>
+          </a:fillRef>
+          <a:effectRef idx="0">
+            <a:schemeClr val="accent1"/>
+          </a:effectRef>
+          <a:fontRef idx="minor">
+            <a:schemeClr val="lt1"/>
+          </a:fontRef>
+        </p:style>
+        <p:txBody>
+          <a:bodyPr rtlCol="0" anchor="ctr"/>
+          <a:lstStyle/>
+          <a:p>
+            <a:pPr algn="ctr"/>
+            <a:r>
+              <a:rPr lang="en-SG" sz="1400" dirty="0" smtClean="0"/>
+              <a:t>Login source</a:t>
+            </a:r>
+            <a:endParaRPr lang="en-SG" sz="1400" dirty="0"/>
+          </a:p>
+        </p:txBody>
+      </p:sp>
+      <p:sp>
+        <p:nvSpPr>
+          <p:cNvPr id="11" name="Oval 10"/>
+          <p:cNvSpPr/>
+          <p:nvPr/>
+        </p:nvSpPr>
+        <p:spPr>
+          <a:xfrm>
+            <a:off x="5903695" y="1289102"/>
+            <a:ext cx="1434704" cy="716767"/>
+          </a:xfrm>
+          <a:prstGeom prst="ellipse">
+            <a:avLst/>
+          </a:prstGeom>
+          <a:solidFill>
+            <a:srgbClr val="C00000"/>
+          </a:solidFill>
+          <a:ln>
+            <a:solidFill>
+              <a:srgbClr val="C00000"/>
+            </a:solidFill>
+          </a:ln>
+        </p:spPr>
+        <p:style>
+          <a:lnRef idx="2">
+            <a:schemeClr val="accent1">
+              <a:shade val="50000"/>
+            </a:schemeClr>
+          </a:lnRef>
+          <a:fillRef idx="1">
+            <a:schemeClr val="accent1"/>
+          </a:fillRef>
+          <a:effectRef idx="0">
+            <a:schemeClr val="accent1"/>
+          </a:effectRef>
+          <a:fontRef idx="minor">
+            <a:schemeClr val="lt1"/>
+          </a:fontRef>
+        </p:style>
+        <p:txBody>
+          <a:bodyPr rtlCol="0" anchor="ctr"/>
+          <a:lstStyle/>
+          <a:p>
+            <a:pPr algn="ctr"/>
+            <a:r>
+              <a:rPr lang="en-SG" sz="1400" dirty="0" smtClean="0"/>
+              <a:t>C-compiler</a:t>
+            </a:r>
+          </a:p>
+          <a:p>
+            <a:pPr algn="ctr"/>
+            <a:r>
+              <a:rPr lang="en-SG" sz="1400" dirty="0" smtClean="0"/>
+              <a:t>backdoor source</a:t>
+            </a:r>
+            <a:endParaRPr lang="en-SG" sz="1400" dirty="0"/>
+          </a:p>
+        </p:txBody>
+      </p:sp>
+      <p:sp>
+        <p:nvSpPr>
+          <p:cNvPr id="12" name="TextBox 11"/>
+          <p:cNvSpPr txBox="1"/>
+          <p:nvPr/>
+        </p:nvSpPr>
+        <p:spPr>
+          <a:xfrm>
+            <a:off x="439606" y="6304506"/>
+            <a:ext cx="6894644" cy="307777"/>
+          </a:xfrm>
+          <a:prstGeom prst="rect">
+            <a:avLst/>
+          </a:prstGeom>
+          <a:noFill/>
+        </p:spPr>
+        <p:txBody>
+          <a:bodyPr wrap="none" rtlCol="0">
+            <a:spAutoFit/>
+          </a:bodyPr>
+          <a:lstStyle/>
+          <a:p>
+            <a:r>
+              <a:rPr lang="en-SG" sz="1400" dirty="0" smtClean="0"/>
+              <a:t>Reference:  </a:t>
+            </a:r>
+            <a:r>
+              <a:rPr lang="en-SG" sz="1400" dirty="0">
+                <a:hlinkClick r:id="rId2"/>
+              </a:rPr>
+              <a:t>http://scienceblogs.com/goodmath/2007/04/15/strange-loops-dennis-ritchie-a</a:t>
+            </a:r>
+            <a:r>
+              <a:rPr lang="en-SG" sz="1400" dirty="0" smtClean="0">
+                <a:hlinkClick r:id="rId2"/>
+              </a:rPr>
+              <a:t>/</a:t>
+            </a:r>
+            <a:endParaRPr lang="en-SG" sz="1400" dirty="0"/>
+          </a:p>
+        </p:txBody>
+      </p:sp>
+      <p:sp>
+        <p:nvSpPr>
+          <p:cNvPr id="14" name="Rounded Rectangle 13"/>
+          <p:cNvSpPr/>
+          <p:nvPr/>
+        </p:nvSpPr>
+        <p:spPr>
+          <a:xfrm>
+            <a:off x="6309699" y="3617835"/>
+            <a:ext cx="1423264" cy="571500"/>
+          </a:xfrm>
+          <a:prstGeom prst="roundRect">
+            <a:avLst/>
+          </a:prstGeom>
+          <a:solidFill>
+            <a:srgbClr val="00B050"/>
+          </a:solidFill>
+          <a:ln>
+            <a:solidFill>
+              <a:srgbClr val="00B050"/>
+            </a:solidFill>
+          </a:ln>
+        </p:spPr>
+        <p:style>
+          <a:lnRef idx="2">
+            <a:schemeClr val="accent6">
+              <a:shade val="50000"/>
+            </a:schemeClr>
+          </a:lnRef>
+          <a:fillRef idx="1">
+            <a:schemeClr val="accent6"/>
+          </a:fillRef>
+          <a:effectRef idx="0">
+            <a:schemeClr val="accent6"/>
+          </a:effectRef>
+          <a:fontRef idx="minor">
+            <a:schemeClr val="lt1"/>
+          </a:fontRef>
+        </p:style>
+        <p:txBody>
+          <a:bodyPr rtlCol="0" anchor="ctr"/>
+          <a:lstStyle/>
+          <a:p>
+            <a:pPr algn="ctr"/>
+            <a:r>
+              <a:rPr lang="en-SG" sz="1400" dirty="0" smtClean="0"/>
+              <a:t>Login binary</a:t>
+            </a:r>
+            <a:endParaRPr lang="en-SG" sz="1400" dirty="0"/>
+          </a:p>
+        </p:txBody>
+      </p:sp>
+      <p:sp>
+        <p:nvSpPr>
+          <p:cNvPr id="15" name="Rounded Rectangle 14"/>
+          <p:cNvSpPr/>
+          <p:nvPr/>
+        </p:nvSpPr>
+        <p:spPr>
+          <a:xfrm>
+            <a:off x="2163420" y="5127554"/>
+            <a:ext cx="1423264" cy="571500"/>
+          </a:xfrm>
+          <a:prstGeom prst="roundRect">
+            <a:avLst/>
+          </a:prstGeom>
+          <a:solidFill>
+            <a:schemeClr val="accent1"/>
+          </a:solidFill>
+          <a:ln>
+            <a:solidFill>
+              <a:schemeClr val="accent1"/>
+            </a:solidFill>
+          </a:ln>
+        </p:spPr>
+        <p:style>
+          <a:lnRef idx="2">
+            <a:schemeClr val="accent6">
+              <a:shade val="50000"/>
+            </a:schemeClr>
+          </a:lnRef>
+          <a:fillRef idx="1">
+            <a:schemeClr val="accent6"/>
+          </a:fillRef>
+          <a:effectRef idx="0">
+            <a:schemeClr val="accent6"/>
+          </a:effectRef>
+          <a:fontRef idx="minor">
+            <a:schemeClr val="lt1"/>
+          </a:fontRef>
+        </p:style>
+        <p:txBody>
+          <a:bodyPr rtlCol="0" anchor="ctr"/>
+          <a:lstStyle/>
+          <a:p>
+            <a:pPr algn="ctr"/>
+            <a:r>
+              <a:rPr lang="en-SG" sz="1400" dirty="0" smtClean="0"/>
+              <a:t>C-Compiler</a:t>
+            </a:r>
+          </a:p>
+          <a:p>
+            <a:pPr algn="ctr"/>
+            <a:r>
+              <a:rPr lang="en-SG" sz="1400" dirty="0"/>
+              <a:t>b</a:t>
+            </a:r>
+            <a:r>
+              <a:rPr lang="en-SG" sz="1400" dirty="0" smtClean="0"/>
+              <a:t>ackdoor binary</a:t>
+            </a:r>
+            <a:endParaRPr lang="en-SG" sz="1400" dirty="0"/>
+          </a:p>
+        </p:txBody>
+      </p:sp>
+      <p:sp>
+        <p:nvSpPr>
+          <p:cNvPr id="16" name="Rounded Rectangle 15"/>
+          <p:cNvSpPr/>
+          <p:nvPr/>
+        </p:nvSpPr>
+        <p:spPr>
+          <a:xfrm>
+            <a:off x="4445710" y="5126746"/>
+            <a:ext cx="1423264" cy="571500"/>
+          </a:xfrm>
+          <a:prstGeom prst="roundRect">
+            <a:avLst/>
+          </a:prstGeom>
+          <a:solidFill>
+            <a:srgbClr val="00B050"/>
+          </a:solidFill>
+          <a:ln>
+            <a:solidFill>
+              <a:srgbClr val="00B050"/>
+            </a:solidFill>
+          </a:ln>
+        </p:spPr>
+        <p:style>
+          <a:lnRef idx="2">
+            <a:schemeClr val="accent6">
+              <a:shade val="50000"/>
+            </a:schemeClr>
+          </a:lnRef>
+          <a:fillRef idx="1">
+            <a:schemeClr val="accent6"/>
+          </a:fillRef>
+          <a:effectRef idx="0">
+            <a:schemeClr val="accent6"/>
+          </a:effectRef>
+          <a:fontRef idx="minor">
+            <a:schemeClr val="lt1"/>
+          </a:fontRef>
+        </p:style>
+        <p:txBody>
+          <a:bodyPr rtlCol="0" anchor="ctr"/>
+          <a:lstStyle/>
+          <a:p>
+            <a:pPr algn="ctr"/>
+            <a:r>
+              <a:rPr lang="en-SG" sz="1400" dirty="0" smtClean="0"/>
+              <a:t>Login backdoor binary</a:t>
+            </a:r>
+            <a:endParaRPr lang="en-SG" sz="1400" dirty="0"/>
+          </a:p>
+        </p:txBody>
+      </p:sp>
+      <p:sp>
+        <p:nvSpPr>
+          <p:cNvPr id="6" name="Down Arrow 5"/>
+          <p:cNvSpPr/>
+          <p:nvPr/>
+        </p:nvSpPr>
+        <p:spPr>
+          <a:xfrm rot="1452089">
+            <a:off x="6030834" y="2044559"/>
+            <a:ext cx="252931" cy="360319"/>
+          </a:xfrm>
+          <a:prstGeom prst="downArrow">
+            <a:avLst/>
+          </a:prstGeom>
+          <a:solidFill>
+            <a:srgbClr val="C00000"/>
+          </a:solidFill>
+          <a:ln>
+            <a:solidFill>
+              <a:srgbClr val="C00000"/>
+            </a:solidFill>
+          </a:ln>
+        </p:spPr>
+        <p:style>
+          <a:lnRef idx="2">
+            <a:schemeClr val="accent1">
+              <a:shade val="50000"/>
+            </a:schemeClr>
+          </a:lnRef>
+          <a:fillRef idx="1">
+            <a:schemeClr val="accent1"/>
+          </a:fillRef>
+          <a:effectRef idx="0">
+            <a:schemeClr val="accent1"/>
+          </a:effectRef>
+          <a:fontRef idx="minor">
+            <a:schemeClr val="lt1"/>
+          </a:fontRef>
+        </p:style>
+        <p:txBody>
+          <a:bodyPr rtlCol="0" anchor="ctr"/>
+          <a:lstStyle/>
+          <a:p>
+            <a:pPr algn="ctr"/>
+            <a:endParaRPr lang="en-US"/>
+          </a:p>
+        </p:txBody>
+      </p:sp>
+      <p:sp>
+        <p:nvSpPr>
+          <p:cNvPr id="17" name="Down Arrow 16"/>
+          <p:cNvSpPr/>
+          <p:nvPr/>
+        </p:nvSpPr>
+        <p:spPr>
+          <a:xfrm rot="17733919">
+            <a:off x="3846636" y="1769610"/>
+            <a:ext cx="252931" cy="1250786"/>
+          </a:xfrm>
+          <a:prstGeom prst="downArrow">
+            <a:avLst/>
+          </a:prstGeom>
+          <a:ln>
+            <a:solidFill>
+              <a:schemeClr val="accent1"/>
+            </a:solidFill>
+          </a:ln>
+        </p:spPr>
+        <p:style>
+          <a:lnRef idx="2">
+            <a:schemeClr val="accent1">
+              <a:shade val="50000"/>
+            </a:schemeClr>
+          </a:lnRef>
+          <a:fillRef idx="1">
+            <a:schemeClr val="accent1"/>
+          </a:fillRef>
+          <a:effectRef idx="0">
+            <a:schemeClr val="accent1"/>
+          </a:effectRef>
+          <a:fontRef idx="minor">
+            <a:schemeClr val="lt1"/>
+          </a:fontRef>
+        </p:style>
+        <p:txBody>
+          <a:bodyPr rtlCol="0" anchor="ctr"/>
+          <a:lstStyle/>
+          <a:p>
+            <a:pPr algn="ctr"/>
+            <a:endParaRPr lang="en-US"/>
+          </a:p>
+        </p:txBody>
+      </p:sp>
+      <p:sp>
+        <p:nvSpPr>
+          <p:cNvPr id="18" name="Down Arrow 17"/>
+          <p:cNvSpPr/>
+          <p:nvPr/>
+        </p:nvSpPr>
+        <p:spPr>
+          <a:xfrm rot="2272731">
+            <a:off x="3700827" y="1956225"/>
+            <a:ext cx="252931" cy="1478005"/>
+          </a:xfrm>
+          <a:prstGeom prst="downArrow">
+            <a:avLst/>
+          </a:prstGeom>
+          <a:noFill/>
+          <a:ln>
+            <a:solidFill>
+              <a:srgbClr val="00B050"/>
+            </a:solidFill>
+            <a:prstDash val="lgDash"/>
+          </a:ln>
+        </p:spPr>
+        <p:style>
+          <a:lnRef idx="2">
+            <a:schemeClr val="accent1">
+              <a:shade val="50000"/>
+            </a:schemeClr>
+          </a:lnRef>
+          <a:fillRef idx="1">
+            <a:schemeClr val="accent1"/>
+          </a:fillRef>
+          <a:effectRef idx="0">
+            <a:schemeClr val="accent1"/>
+          </a:effectRef>
+          <a:fontRef idx="minor">
+            <a:schemeClr val="lt1"/>
+          </a:fontRef>
+        </p:style>
+        <p:txBody>
+          <a:bodyPr rtlCol="0" anchor="ctr"/>
+          <a:lstStyle/>
+          <a:p>
+            <a:pPr algn="ctr"/>
+            <a:endParaRPr lang="en-US"/>
+          </a:p>
+        </p:txBody>
+      </p:sp>
+      <p:sp>
+        <p:nvSpPr>
+          <p:cNvPr id="21" name="Down Arrow 20"/>
+          <p:cNvSpPr/>
+          <p:nvPr/>
+        </p:nvSpPr>
+        <p:spPr>
+          <a:xfrm rot="1044980">
+            <a:off x="5208180" y="2978588"/>
+            <a:ext cx="252931" cy="626064"/>
+          </a:xfrm>
+          <a:prstGeom prst="downArrow">
             <a:avLst/>
           </a:prstGeom>
         </p:spPr>
@@ -8122,28 +8718,32 @@
           <a:lstStyle/>
           <a:p>
             <a:pPr algn="ctr"/>
-            <a:r>
-              <a:rPr lang="en-SG" sz="1400" dirty="0" smtClean="0"/>
-              <a:t>C-Compiler</a:t>
-            </a:r>
-            <a:endParaRPr lang="en-SG" sz="1400" dirty="0"/>
-          </a:p>
-        </p:txBody>
-      </p:sp>
-      <p:sp>
-        <p:nvSpPr>
-          <p:cNvPr id="8" name="Oval 7"/>
+            <a:endParaRPr lang="en-US"/>
+          </a:p>
+        </p:txBody>
+      </p:sp>
+      <p:sp>
+        <p:nvSpPr>
+          <p:cNvPr id="22" name="Down Arrow 21"/>
           <p:cNvSpPr/>
           <p:nvPr/>
         </p:nvSpPr>
         <p:spPr>
-          <a:xfrm>
-            <a:off x="3243500" y="1325944"/>
-            <a:ext cx="1328500" cy="669449"/>
+          <a:xfrm rot="19584704">
+            <a:off x="6146527" y="3007771"/>
+            <a:ext cx="252931" cy="626064"/>
           </a:xfrm>
-          <a:prstGeom prst="ellipse">
+          <a:prstGeom prst="downArrow">
             <a:avLst/>
           </a:prstGeom>
+          <a:solidFill>
+            <a:srgbClr val="00B050"/>
+          </a:solidFill>
+          <a:ln>
+            <a:solidFill>
+              <a:srgbClr val="00B050"/>
+            </a:solidFill>
+          </a:ln>
         </p:spPr>
         <p:style>
           <a:lnRef idx="2">
@@ -8166,31 +8766,32 @@
           <a:lstStyle/>
           <a:p>
             <a:pPr algn="ctr"/>
-            <a:r>
-              <a:rPr lang="en-SG" sz="1400" dirty="0" smtClean="0"/>
-              <a:t>C-compiler source</a:t>
-            </a:r>
-            <a:endParaRPr lang="en-SG" sz="1400" dirty="0"/>
-          </a:p>
-        </p:txBody>
-      </p:sp>
-      <p:sp>
-        <p:nvSpPr>
-          <p:cNvPr id="9" name="Rectangle 8"/>
+            <a:endParaRPr lang="en-US"/>
+          </a:p>
+        </p:txBody>
+      </p:sp>
+      <p:sp>
+        <p:nvSpPr>
+          <p:cNvPr id="23" name="Down Arrow 22"/>
           <p:cNvSpPr/>
           <p:nvPr/>
         </p:nvSpPr>
         <p:spPr>
-          <a:xfrm>
-            <a:off x="3811753" y="3342051"/>
-            <a:ext cx="1333876" cy="488691"/>
+          <a:xfrm rot="2960146">
+            <a:off x="4218039" y="2599373"/>
+            <a:ext cx="252931" cy="980980"/>
           </a:xfrm>
-          <a:prstGeom prst="rect">
+          <a:prstGeom prst="downArrow">
             <a:avLst/>
           </a:prstGeom>
           <a:solidFill>
             <a:srgbClr val="C00000"/>
           </a:solidFill>
+          <a:ln>
+            <a:solidFill>
+              <a:srgbClr val="C00000"/>
+            </a:solidFill>
+          </a:ln>
         </p:spPr>
         <p:style>
           <a:lnRef idx="2">
@@ -8213,31 +8814,32 @@
           <a:lstStyle/>
           <a:p>
             <a:pPr algn="ctr"/>
-            <a:r>
-              <a:rPr lang="en-SG" sz="1400" dirty="0" smtClean="0"/>
-              <a:t>C-Compiler (Backdoor)</a:t>
-            </a:r>
-            <a:endParaRPr lang="en-SG" sz="1400" dirty="0"/>
-          </a:p>
-        </p:txBody>
-      </p:sp>
-      <p:sp>
-        <p:nvSpPr>
-          <p:cNvPr id="10" name="Oval 9"/>
+            <a:endParaRPr lang="en-US"/>
+          </a:p>
+        </p:txBody>
+      </p:sp>
+      <p:sp>
+        <p:nvSpPr>
+          <p:cNvPr id="24" name="Down Arrow 23"/>
           <p:cNvSpPr/>
           <p:nvPr/>
         </p:nvSpPr>
         <p:spPr>
-          <a:xfrm>
-            <a:off x="5224663" y="1325944"/>
-            <a:ext cx="1319012" cy="690757"/>
+          <a:xfrm rot="18506024">
+            <a:off x="5105835" y="1913265"/>
+            <a:ext cx="252931" cy="555759"/>
           </a:xfrm>
-          <a:prstGeom prst="ellipse">
+          <a:prstGeom prst="downArrow">
             <a:avLst/>
           </a:prstGeom>
           <a:solidFill>
             <a:srgbClr val="00B050"/>
           </a:solidFill>
+          <a:ln>
+            <a:solidFill>
+              <a:srgbClr val="00B050"/>
+            </a:solidFill>
+          </a:ln>
         </p:spPr>
         <p:style>
           <a:lnRef idx="2">
@@ -8260,31 +8862,28 @@
           <a:lstStyle/>
           <a:p>
             <a:pPr algn="ctr"/>
-            <a:r>
-              <a:rPr lang="en-SG" sz="1400" dirty="0" smtClean="0"/>
-              <a:t>Login source</a:t>
-            </a:r>
-            <a:endParaRPr lang="en-SG" sz="1400" dirty="0"/>
-          </a:p>
-        </p:txBody>
-      </p:sp>
-      <p:sp>
-        <p:nvSpPr>
-          <p:cNvPr id="11" name="Oval 10"/>
+            <a:endParaRPr lang="en-US"/>
+          </a:p>
+        </p:txBody>
+      </p:sp>
+      <p:sp>
+        <p:nvSpPr>
+          <p:cNvPr id="25" name="Down Arrow 24"/>
           <p:cNvSpPr/>
           <p:nvPr/>
         </p:nvSpPr>
         <p:spPr>
-          <a:xfrm>
-            <a:off x="7080646" y="1316263"/>
-            <a:ext cx="1434704" cy="716767"/>
+          <a:xfrm rot="20857249">
+            <a:off x="2665378" y="2119190"/>
+            <a:ext cx="252931" cy="1401973"/>
           </a:xfrm>
-          <a:prstGeom prst="ellipse">
+          <a:prstGeom prst="downArrow">
             <a:avLst/>
           </a:prstGeom>
-          <a:solidFill>
-            <a:srgbClr val="C00000"/>
-          </a:solidFill>
+          <a:noFill/>
+          <a:ln>
+            <a:prstDash val="lgDash"/>
+          </a:ln>
         </p:spPr>
         <p:style>
           <a:lnRef idx="2">
@@ -8307,89 +8906,40 @@
           <a:lstStyle/>
           <a:p>
             <a:pPr algn="ctr"/>
-            <a:r>
-              <a:rPr lang="en-SG" sz="1400" dirty="0" smtClean="0"/>
-              <a:t>C-compiler</a:t>
-            </a:r>
-          </a:p>
-          <a:p>
-            <a:pPr algn="ctr"/>
-            <a:r>
-              <a:rPr lang="en-SG" sz="1400" dirty="0" smtClean="0"/>
-              <a:t>backdoor source</a:t>
-            </a:r>
-            <a:endParaRPr lang="en-SG" sz="1400" dirty="0"/>
-          </a:p>
-        </p:txBody>
-      </p:sp>
-      <p:sp>
-        <p:nvSpPr>
-          <p:cNvPr id="12" name="TextBox 11"/>
-          <p:cNvSpPr txBox="1"/>
+            <a:endParaRPr lang="en-US"/>
+          </a:p>
+        </p:txBody>
+      </p:sp>
+      <p:sp>
+        <p:nvSpPr>
+          <p:cNvPr id="26" name="Down Arrow 25"/>
+          <p:cNvSpPr/>
           <p:nvPr/>
         </p:nvSpPr>
         <p:spPr>
-          <a:xfrm>
-            <a:off x="439606" y="6304506"/>
-            <a:ext cx="6894644" cy="307777"/>
+          <a:xfrm rot="1115866">
+            <a:off x="2679754" y="4236310"/>
+            <a:ext cx="252931" cy="793472"/>
           </a:xfrm>
-          <a:prstGeom prst="rect">
+          <a:prstGeom prst="downArrow">
             <a:avLst/>
           </a:prstGeom>
           <a:noFill/>
-        </p:spPr>
-        <p:txBody>
-          <a:bodyPr wrap="none" rtlCol="0">
-            <a:spAutoFit/>
-          </a:bodyPr>
-          <a:lstStyle/>
-          <a:p>
-            <a:r>
-              <a:rPr lang="en-SG" sz="1400" dirty="0" smtClean="0"/>
-              <a:t>Reference:  </a:t>
-            </a:r>
-            <a:r>
-              <a:rPr lang="en-SG" sz="1400" dirty="0">
-                <a:hlinkClick r:id="rId3"/>
-              </a:rPr>
-              <a:t>http://scienceblogs.com/goodmath/2007/04/15/strange-loops-dennis-ritchie-a</a:t>
-            </a:r>
-            <a:r>
-              <a:rPr lang="en-SG" sz="1400" dirty="0" smtClean="0">
-                <a:hlinkClick r:id="rId3"/>
-              </a:rPr>
-              <a:t>/</a:t>
-            </a:r>
-            <a:endParaRPr lang="en-SG" sz="1400" dirty="0"/>
-          </a:p>
-        </p:txBody>
-      </p:sp>
-      <p:sp>
-        <p:nvSpPr>
-          <p:cNvPr id="14" name="Rounded Rectangle 13"/>
-          <p:cNvSpPr/>
-          <p:nvPr/>
-        </p:nvSpPr>
-        <p:spPr>
-          <a:xfrm>
-            <a:off x="7486650" y="3399241"/>
-            <a:ext cx="1423264" cy="571500"/>
-          </a:xfrm>
-          <a:prstGeom prst="roundRect">
-            <a:avLst/>
-          </a:prstGeom>
+          <a:ln>
+            <a:prstDash val="lgDash"/>
+          </a:ln>
         </p:spPr>
         <p:style>
           <a:lnRef idx="2">
-            <a:schemeClr val="accent6">
+            <a:schemeClr val="accent1">
               <a:shade val="50000"/>
             </a:schemeClr>
           </a:lnRef>
           <a:fillRef idx="1">
-            <a:schemeClr val="accent6"/>
+            <a:schemeClr val="accent1"/>
           </a:fillRef>
           <a:effectRef idx="0">
-            <a:schemeClr val="accent6"/>
+            <a:schemeClr val="accent1"/>
           </a:effectRef>
           <a:fontRef idx="minor">
             <a:schemeClr val="lt1"/>
@@ -8400,43 +8950,43 @@
           <a:lstStyle/>
           <a:p>
             <a:pPr algn="ctr"/>
-            <a:r>
-              <a:rPr lang="en-SG" sz="1400" dirty="0" smtClean="0"/>
-              <a:t>Login binary</a:t>
-            </a:r>
-            <a:endParaRPr lang="en-SG" sz="1400" dirty="0"/>
-          </a:p>
-        </p:txBody>
-      </p:sp>
-      <p:sp>
-        <p:nvSpPr>
-          <p:cNvPr id="15" name="Rounded Rectangle 14"/>
+            <a:endParaRPr lang="en-US"/>
+          </a:p>
+        </p:txBody>
+      </p:sp>
+      <p:sp>
+        <p:nvSpPr>
+          <p:cNvPr id="27" name="Down Arrow 26"/>
           <p:cNvSpPr/>
           <p:nvPr/>
         </p:nvSpPr>
         <p:spPr>
-          <a:xfrm>
-            <a:off x="3384956" y="5097482"/>
-            <a:ext cx="1423264" cy="571500"/>
+          <a:xfrm rot="18534357">
+            <a:off x="3851538" y="4103785"/>
+            <a:ext cx="252931" cy="1013134"/>
           </a:xfrm>
-          <a:prstGeom prst="roundRect">
+          <a:prstGeom prst="downArrow">
             <a:avLst/>
           </a:prstGeom>
-          <a:solidFill>
-            <a:schemeClr val="accent1"/>
-          </a:solidFill>
+          <a:noFill/>
+          <a:ln>
+            <a:solidFill>
+              <a:srgbClr val="00B050"/>
+            </a:solidFill>
+            <a:prstDash val="lgDash"/>
+          </a:ln>
         </p:spPr>
         <p:style>
           <a:lnRef idx="2">
-            <a:schemeClr val="accent6">
+            <a:schemeClr val="accent1">
               <a:shade val="50000"/>
             </a:schemeClr>
           </a:lnRef>
           <a:fillRef idx="1">
-            <a:schemeClr val="accent6"/>
+            <a:schemeClr val="accent1"/>
           </a:fillRef>
           <a:effectRef idx="0">
-            <a:schemeClr val="accent6"/>
+            <a:schemeClr val="accent1"/>
           </a:effectRef>
           <a:fontRef idx="minor">
             <a:schemeClr val="lt1"/>
@@ -8447,69 +8997,7 @@
           <a:lstStyle/>
           <a:p>
             <a:pPr algn="ctr"/>
-            <a:r>
-              <a:rPr lang="en-SG" sz="1400" dirty="0" smtClean="0"/>
-              <a:t>C-Compiler</a:t>
-            </a:r>
-          </a:p>
-          <a:p>
-            <a:pPr algn="ctr"/>
-            <a:r>
-              <a:rPr lang="en-SG" sz="1400" dirty="0"/>
-              <a:t>b</a:t>
-            </a:r>
-            <a:r>
-              <a:rPr lang="en-SG" sz="1400" dirty="0" smtClean="0"/>
-              <a:t>ackdoor binary</a:t>
-            </a:r>
-            <a:endParaRPr lang="en-SG" sz="1400" dirty="0"/>
-          </a:p>
-        </p:txBody>
-      </p:sp>
-      <p:sp>
-        <p:nvSpPr>
-          <p:cNvPr id="16" name="Rounded Rectangle 15"/>
-          <p:cNvSpPr/>
-          <p:nvPr/>
-        </p:nvSpPr>
-        <p:spPr>
-          <a:xfrm>
-            <a:off x="5622661" y="5153907"/>
-            <a:ext cx="1423264" cy="571500"/>
-          </a:xfrm>
-          <a:prstGeom prst="roundRect">
-            <a:avLst/>
-          </a:prstGeom>
-          <a:solidFill>
-            <a:srgbClr val="00B050"/>
-          </a:solidFill>
-        </p:spPr>
-        <p:style>
-          <a:lnRef idx="2">
-            <a:schemeClr val="accent6">
-              <a:shade val="50000"/>
-            </a:schemeClr>
-          </a:lnRef>
-          <a:fillRef idx="1">
-            <a:schemeClr val="accent6"/>
-          </a:fillRef>
-          <a:effectRef idx="0">
-            <a:schemeClr val="accent6"/>
-          </a:effectRef>
-          <a:fontRef idx="minor">
-            <a:schemeClr val="lt1"/>
-          </a:fontRef>
-        </p:style>
-        <p:txBody>
-          <a:bodyPr rtlCol="0" anchor="ctr"/>
-          <a:lstStyle/>
-          <a:p>
-            <a:pPr algn="ctr"/>
-            <a:r>
-              <a:rPr lang="en-SG" sz="1400" dirty="0" smtClean="0"/>
-              <a:t>Login backdoor binary</a:t>
-            </a:r>
-            <a:endParaRPr lang="en-SG" sz="1400" dirty="0"/>
+            <a:endParaRPr lang="en-US"/>
           </a:p>
         </p:txBody>
       </p:sp>
@@ -8523,6 +9011,902 @@
   <p:clrMapOvr>
     <a:masterClrMapping/>
   </p:clrMapOvr>
+  <p:timing>
+    <p:tnLst>
+      <p:par>
+        <p:cTn id="1" dur="indefinite" restart="never" nodeType="tmRoot">
+          <p:childTnLst>
+            <p:seq concurrent="1" nextAc="seek">
+              <p:cTn id="2" dur="indefinite" nodeType="mainSeq">
+                <p:childTnLst>
+                  <p:par>
+                    <p:cTn id="3" fill="hold">
+                      <p:stCondLst>
+                        <p:cond delay="indefinite"/>
+                      </p:stCondLst>
+                      <p:childTnLst>
+                        <p:par>
+                          <p:cTn id="4" fill="hold">
+                            <p:stCondLst>
+                              <p:cond delay="0"/>
+                            </p:stCondLst>
+                            <p:childTnLst>
+                              <p:par>
+                                <p:cTn id="5" presetID="10" presetClass="entr" presetSubtype="0" fill="hold" grpId="0" nodeType="clickEffect">
+                                  <p:stCondLst>
+                                    <p:cond delay="0"/>
+                                  </p:stCondLst>
+                                  <p:childTnLst>
+                                    <p:set>
+                                      <p:cBhvr>
+                                        <p:cTn id="6" dur="1" fill="hold">
+                                          <p:stCondLst>
+                                            <p:cond delay="0"/>
+                                          </p:stCondLst>
+                                        </p:cTn>
+                                        <p:tgtEl>
+                                          <p:spTgt spid="7"/>
+                                        </p:tgtEl>
+                                        <p:attrNameLst>
+                                          <p:attrName>style.visibility</p:attrName>
+                                        </p:attrNameLst>
+                                      </p:cBhvr>
+                                      <p:to>
+                                        <p:strVal val="visible"/>
+                                      </p:to>
+                                    </p:set>
+                                    <p:animEffect transition="in" filter="fade">
+                                      <p:cBhvr>
+                                        <p:cTn id="7" dur="500"/>
+                                        <p:tgtEl>
+                                          <p:spTgt spid="7"/>
+                                        </p:tgtEl>
+                                      </p:cBhvr>
+                                    </p:animEffect>
+                                  </p:childTnLst>
+                                </p:cTn>
+                              </p:par>
+                            </p:childTnLst>
+                          </p:cTn>
+                        </p:par>
+                      </p:childTnLst>
+                    </p:cTn>
+                  </p:par>
+                  <p:par>
+                    <p:cTn id="8" fill="hold">
+                      <p:stCondLst>
+                        <p:cond delay="indefinite"/>
+                      </p:stCondLst>
+                      <p:childTnLst>
+                        <p:par>
+                          <p:cTn id="9" fill="hold">
+                            <p:stCondLst>
+                              <p:cond delay="0"/>
+                            </p:stCondLst>
+                            <p:childTnLst>
+                              <p:par>
+                                <p:cTn id="10" presetID="10" presetClass="entr" presetSubtype="0" fill="hold" grpId="0" nodeType="clickEffect">
+                                  <p:stCondLst>
+                                    <p:cond delay="0"/>
+                                  </p:stCondLst>
+                                  <p:childTnLst>
+                                    <p:set>
+                                      <p:cBhvr>
+                                        <p:cTn id="11" dur="1" fill="hold">
+                                          <p:stCondLst>
+                                            <p:cond delay="0"/>
+                                          </p:stCondLst>
+                                        </p:cTn>
+                                        <p:tgtEl>
+                                          <p:spTgt spid="8"/>
+                                        </p:tgtEl>
+                                        <p:attrNameLst>
+                                          <p:attrName>style.visibility</p:attrName>
+                                        </p:attrNameLst>
+                                      </p:cBhvr>
+                                      <p:to>
+                                        <p:strVal val="visible"/>
+                                      </p:to>
+                                    </p:set>
+                                    <p:animEffect transition="in" filter="fade">
+                                      <p:cBhvr>
+                                        <p:cTn id="12" dur="500"/>
+                                        <p:tgtEl>
+                                          <p:spTgt spid="8"/>
+                                        </p:tgtEl>
+                                      </p:cBhvr>
+                                    </p:animEffect>
+                                  </p:childTnLst>
+                                </p:cTn>
+                              </p:par>
+                              <p:par>
+                                <p:cTn id="13" presetID="10" presetClass="entr" presetSubtype="0" fill="hold" grpId="0" nodeType="withEffect">
+                                  <p:stCondLst>
+                                    <p:cond delay="0"/>
+                                  </p:stCondLst>
+                                  <p:childTnLst>
+                                    <p:set>
+                                      <p:cBhvr>
+                                        <p:cTn id="14" dur="1" fill="hold">
+                                          <p:stCondLst>
+                                            <p:cond delay="0"/>
+                                          </p:stCondLst>
+                                        </p:cTn>
+                                        <p:tgtEl>
+                                          <p:spTgt spid="10"/>
+                                        </p:tgtEl>
+                                        <p:attrNameLst>
+                                          <p:attrName>style.visibility</p:attrName>
+                                        </p:attrNameLst>
+                                      </p:cBhvr>
+                                      <p:to>
+                                        <p:strVal val="visible"/>
+                                      </p:to>
+                                    </p:set>
+                                    <p:animEffect transition="in" filter="fade">
+                                      <p:cBhvr>
+                                        <p:cTn id="15" dur="500"/>
+                                        <p:tgtEl>
+                                          <p:spTgt spid="10"/>
+                                        </p:tgtEl>
+                                      </p:cBhvr>
+                                    </p:animEffect>
+                                  </p:childTnLst>
+                                </p:cTn>
+                              </p:par>
+                            </p:childTnLst>
+                          </p:cTn>
+                        </p:par>
+                      </p:childTnLst>
+                    </p:cTn>
+                  </p:par>
+                  <p:par>
+                    <p:cTn id="16" fill="hold">
+                      <p:stCondLst>
+                        <p:cond delay="indefinite"/>
+                      </p:stCondLst>
+                      <p:childTnLst>
+                        <p:par>
+                          <p:cTn id="17" fill="hold">
+                            <p:stCondLst>
+                              <p:cond delay="0"/>
+                            </p:stCondLst>
+                            <p:childTnLst>
+                              <p:par>
+                                <p:cTn id="18" presetID="10" presetClass="entr" presetSubtype="0" fill="hold" grpId="0" nodeType="clickEffect">
+                                  <p:stCondLst>
+                                    <p:cond delay="0"/>
+                                  </p:stCondLst>
+                                  <p:childTnLst>
+                                    <p:set>
+                                      <p:cBhvr>
+                                        <p:cTn id="19" dur="1" fill="hold">
+                                          <p:stCondLst>
+                                            <p:cond delay="0"/>
+                                          </p:stCondLst>
+                                        </p:cTn>
+                                        <p:tgtEl>
+                                          <p:spTgt spid="17"/>
+                                        </p:tgtEl>
+                                        <p:attrNameLst>
+                                          <p:attrName>style.visibility</p:attrName>
+                                        </p:attrNameLst>
+                                      </p:cBhvr>
+                                      <p:to>
+                                        <p:strVal val="visible"/>
+                                      </p:to>
+                                    </p:set>
+                                    <p:animEffect transition="in" filter="fade">
+                                      <p:cBhvr>
+                                        <p:cTn id="20" dur="500"/>
+                                        <p:tgtEl>
+                                          <p:spTgt spid="17"/>
+                                        </p:tgtEl>
+                                      </p:cBhvr>
+                                    </p:animEffect>
+                                  </p:childTnLst>
+                                </p:cTn>
+                              </p:par>
+                              <p:par>
+                                <p:cTn id="21" presetID="10" presetClass="entr" presetSubtype="0" fill="hold" grpId="0" nodeType="withEffect">
+                                  <p:stCondLst>
+                                    <p:cond delay="0"/>
+                                  </p:stCondLst>
+                                  <p:childTnLst>
+                                    <p:set>
+                                      <p:cBhvr>
+                                        <p:cTn id="22" dur="1" fill="hold">
+                                          <p:stCondLst>
+                                            <p:cond delay="0"/>
+                                          </p:stCondLst>
+                                        </p:cTn>
+                                        <p:tgtEl>
+                                          <p:spTgt spid="21"/>
+                                        </p:tgtEl>
+                                        <p:attrNameLst>
+                                          <p:attrName>style.visibility</p:attrName>
+                                        </p:attrNameLst>
+                                      </p:cBhvr>
+                                      <p:to>
+                                        <p:strVal val="visible"/>
+                                      </p:to>
+                                    </p:set>
+                                    <p:animEffect transition="in" filter="fade">
+                                      <p:cBhvr>
+                                        <p:cTn id="23" dur="500"/>
+                                        <p:tgtEl>
+                                          <p:spTgt spid="21"/>
+                                        </p:tgtEl>
+                                      </p:cBhvr>
+                                    </p:animEffect>
+                                  </p:childTnLst>
+                                </p:cTn>
+                              </p:par>
+                              <p:par>
+                                <p:cTn id="24" presetID="10" presetClass="entr" presetSubtype="0" fill="hold" grpId="0" nodeType="withEffect">
+                                  <p:stCondLst>
+                                    <p:cond delay="0"/>
+                                  </p:stCondLst>
+                                  <p:childTnLst>
+                                    <p:set>
+                                      <p:cBhvr>
+                                        <p:cTn id="25" dur="1" fill="hold">
+                                          <p:stCondLst>
+                                            <p:cond delay="0"/>
+                                          </p:stCondLst>
+                                        </p:cTn>
+                                        <p:tgtEl>
+                                          <p:spTgt spid="3"/>
+                                        </p:tgtEl>
+                                        <p:attrNameLst>
+                                          <p:attrName>style.visibility</p:attrName>
+                                        </p:attrNameLst>
+                                      </p:cBhvr>
+                                      <p:to>
+                                        <p:strVal val="visible"/>
+                                      </p:to>
+                                    </p:set>
+                                    <p:animEffect transition="in" filter="fade">
+                                      <p:cBhvr>
+                                        <p:cTn id="26" dur="500"/>
+                                        <p:tgtEl>
+                                          <p:spTgt spid="3"/>
+                                        </p:tgtEl>
+                                      </p:cBhvr>
+                                    </p:animEffect>
+                                  </p:childTnLst>
+                                </p:cTn>
+                              </p:par>
+                            </p:childTnLst>
+                          </p:cTn>
+                        </p:par>
+                      </p:childTnLst>
+                    </p:cTn>
+                  </p:par>
+                  <p:par>
+                    <p:cTn id="27" fill="hold">
+                      <p:stCondLst>
+                        <p:cond delay="indefinite"/>
+                      </p:stCondLst>
+                      <p:childTnLst>
+                        <p:par>
+                          <p:cTn id="28" fill="hold">
+                            <p:stCondLst>
+                              <p:cond delay="0"/>
+                            </p:stCondLst>
+                            <p:childTnLst>
+                              <p:par>
+                                <p:cTn id="29" presetID="10" presetClass="entr" presetSubtype="0" fill="hold" grpId="0" nodeType="clickEffect">
+                                  <p:stCondLst>
+                                    <p:cond delay="0"/>
+                                  </p:stCondLst>
+                                  <p:childTnLst>
+                                    <p:set>
+                                      <p:cBhvr>
+                                        <p:cTn id="30" dur="1" fill="hold">
+                                          <p:stCondLst>
+                                            <p:cond delay="0"/>
+                                          </p:stCondLst>
+                                        </p:cTn>
+                                        <p:tgtEl>
+                                          <p:spTgt spid="24"/>
+                                        </p:tgtEl>
+                                        <p:attrNameLst>
+                                          <p:attrName>style.visibility</p:attrName>
+                                        </p:attrNameLst>
+                                      </p:cBhvr>
+                                      <p:to>
+                                        <p:strVal val="visible"/>
+                                      </p:to>
+                                    </p:set>
+                                    <p:animEffect transition="in" filter="fade">
+                                      <p:cBhvr>
+                                        <p:cTn id="31" dur="500"/>
+                                        <p:tgtEl>
+                                          <p:spTgt spid="24"/>
+                                        </p:tgtEl>
+                                      </p:cBhvr>
+                                    </p:animEffect>
+                                  </p:childTnLst>
+                                </p:cTn>
+                              </p:par>
+                              <p:par>
+                                <p:cTn id="32" presetID="10" presetClass="entr" presetSubtype="0" fill="hold" grpId="0" nodeType="withEffect">
+                                  <p:stCondLst>
+                                    <p:cond delay="0"/>
+                                  </p:stCondLst>
+                                  <p:childTnLst>
+                                    <p:set>
+                                      <p:cBhvr>
+                                        <p:cTn id="33" dur="1" fill="hold">
+                                          <p:stCondLst>
+                                            <p:cond delay="0"/>
+                                          </p:stCondLst>
+                                        </p:cTn>
+                                        <p:tgtEl>
+                                          <p:spTgt spid="22"/>
+                                        </p:tgtEl>
+                                        <p:attrNameLst>
+                                          <p:attrName>style.visibility</p:attrName>
+                                        </p:attrNameLst>
+                                      </p:cBhvr>
+                                      <p:to>
+                                        <p:strVal val="visible"/>
+                                      </p:to>
+                                    </p:set>
+                                    <p:animEffect transition="in" filter="fade">
+                                      <p:cBhvr>
+                                        <p:cTn id="34" dur="500"/>
+                                        <p:tgtEl>
+                                          <p:spTgt spid="22"/>
+                                        </p:tgtEl>
+                                      </p:cBhvr>
+                                    </p:animEffect>
+                                  </p:childTnLst>
+                                </p:cTn>
+                              </p:par>
+                              <p:par>
+                                <p:cTn id="35" presetID="10" presetClass="entr" presetSubtype="0" fill="hold" grpId="0" nodeType="withEffect">
+                                  <p:stCondLst>
+                                    <p:cond delay="0"/>
+                                  </p:stCondLst>
+                                  <p:childTnLst>
+                                    <p:set>
+                                      <p:cBhvr>
+                                        <p:cTn id="36" dur="1" fill="hold">
+                                          <p:stCondLst>
+                                            <p:cond delay="0"/>
+                                          </p:stCondLst>
+                                        </p:cTn>
+                                        <p:tgtEl>
+                                          <p:spTgt spid="14"/>
+                                        </p:tgtEl>
+                                        <p:attrNameLst>
+                                          <p:attrName>style.visibility</p:attrName>
+                                        </p:attrNameLst>
+                                      </p:cBhvr>
+                                      <p:to>
+                                        <p:strVal val="visible"/>
+                                      </p:to>
+                                    </p:set>
+                                    <p:animEffect transition="in" filter="fade">
+                                      <p:cBhvr>
+                                        <p:cTn id="37" dur="500"/>
+                                        <p:tgtEl>
+                                          <p:spTgt spid="14"/>
+                                        </p:tgtEl>
+                                      </p:cBhvr>
+                                    </p:animEffect>
+                                  </p:childTnLst>
+                                </p:cTn>
+                              </p:par>
+                            </p:childTnLst>
+                          </p:cTn>
+                        </p:par>
+                      </p:childTnLst>
+                    </p:cTn>
+                  </p:par>
+                  <p:par>
+                    <p:cTn id="38" fill="hold">
+                      <p:stCondLst>
+                        <p:cond delay="indefinite"/>
+                      </p:stCondLst>
+                      <p:childTnLst>
+                        <p:par>
+                          <p:cTn id="39" fill="hold">
+                            <p:stCondLst>
+                              <p:cond delay="0"/>
+                            </p:stCondLst>
+                            <p:childTnLst>
+                              <p:par>
+                                <p:cTn id="40" presetID="10" presetClass="entr" presetSubtype="0" fill="hold" grpId="0" nodeType="clickEffect">
+                                  <p:stCondLst>
+                                    <p:cond delay="0"/>
+                                  </p:stCondLst>
+                                  <p:childTnLst>
+                                    <p:set>
+                                      <p:cBhvr>
+                                        <p:cTn id="41" dur="1" fill="hold">
+                                          <p:stCondLst>
+                                            <p:cond delay="0"/>
+                                          </p:stCondLst>
+                                        </p:cTn>
+                                        <p:tgtEl>
+                                          <p:spTgt spid="11"/>
+                                        </p:tgtEl>
+                                        <p:attrNameLst>
+                                          <p:attrName>style.visibility</p:attrName>
+                                        </p:attrNameLst>
+                                      </p:cBhvr>
+                                      <p:to>
+                                        <p:strVal val="visible"/>
+                                      </p:to>
+                                    </p:set>
+                                    <p:animEffect transition="in" filter="fade">
+                                      <p:cBhvr>
+                                        <p:cTn id="42" dur="500"/>
+                                        <p:tgtEl>
+                                          <p:spTgt spid="11"/>
+                                        </p:tgtEl>
+                                      </p:cBhvr>
+                                    </p:animEffect>
+                                  </p:childTnLst>
+                                </p:cTn>
+                              </p:par>
+                            </p:childTnLst>
+                          </p:cTn>
+                        </p:par>
+                      </p:childTnLst>
+                    </p:cTn>
+                  </p:par>
+                  <p:par>
+                    <p:cTn id="43" fill="hold">
+                      <p:stCondLst>
+                        <p:cond delay="indefinite"/>
+                      </p:stCondLst>
+                      <p:childTnLst>
+                        <p:par>
+                          <p:cTn id="44" fill="hold">
+                            <p:stCondLst>
+                              <p:cond delay="0"/>
+                            </p:stCondLst>
+                            <p:childTnLst>
+                              <p:par>
+                                <p:cTn id="45" presetID="10" presetClass="entr" presetSubtype="0" fill="hold" grpId="0" nodeType="clickEffect">
+                                  <p:stCondLst>
+                                    <p:cond delay="0"/>
+                                  </p:stCondLst>
+                                  <p:childTnLst>
+                                    <p:set>
+                                      <p:cBhvr>
+                                        <p:cTn id="46" dur="1" fill="hold">
+                                          <p:stCondLst>
+                                            <p:cond delay="0"/>
+                                          </p:stCondLst>
+                                        </p:cTn>
+                                        <p:tgtEl>
+                                          <p:spTgt spid="6"/>
+                                        </p:tgtEl>
+                                        <p:attrNameLst>
+                                          <p:attrName>style.visibility</p:attrName>
+                                        </p:attrNameLst>
+                                      </p:cBhvr>
+                                      <p:to>
+                                        <p:strVal val="visible"/>
+                                      </p:to>
+                                    </p:set>
+                                    <p:animEffect transition="in" filter="fade">
+                                      <p:cBhvr>
+                                        <p:cTn id="47" dur="500"/>
+                                        <p:tgtEl>
+                                          <p:spTgt spid="6"/>
+                                        </p:tgtEl>
+                                      </p:cBhvr>
+                                    </p:animEffect>
+                                  </p:childTnLst>
+                                </p:cTn>
+                              </p:par>
+                              <p:par>
+                                <p:cTn id="48" presetID="10" presetClass="entr" presetSubtype="0" fill="hold" grpId="0" nodeType="withEffect">
+                                  <p:stCondLst>
+                                    <p:cond delay="0"/>
+                                  </p:stCondLst>
+                                  <p:childTnLst>
+                                    <p:set>
+                                      <p:cBhvr>
+                                        <p:cTn id="49" dur="1" fill="hold">
+                                          <p:stCondLst>
+                                            <p:cond delay="0"/>
+                                          </p:stCondLst>
+                                        </p:cTn>
+                                        <p:tgtEl>
+                                          <p:spTgt spid="23"/>
+                                        </p:tgtEl>
+                                        <p:attrNameLst>
+                                          <p:attrName>style.visibility</p:attrName>
+                                        </p:attrNameLst>
+                                      </p:cBhvr>
+                                      <p:to>
+                                        <p:strVal val="visible"/>
+                                      </p:to>
+                                    </p:set>
+                                    <p:animEffect transition="in" filter="fade">
+                                      <p:cBhvr>
+                                        <p:cTn id="50" dur="500"/>
+                                        <p:tgtEl>
+                                          <p:spTgt spid="23"/>
+                                        </p:tgtEl>
+                                      </p:cBhvr>
+                                    </p:animEffect>
+                                  </p:childTnLst>
+                                </p:cTn>
+                              </p:par>
+                              <p:par>
+                                <p:cTn id="51" presetID="10" presetClass="entr" presetSubtype="0" fill="hold" grpId="0" nodeType="withEffect">
+                                  <p:stCondLst>
+                                    <p:cond delay="0"/>
+                                  </p:stCondLst>
+                                  <p:childTnLst>
+                                    <p:set>
+                                      <p:cBhvr>
+                                        <p:cTn id="52" dur="1" fill="hold">
+                                          <p:stCondLst>
+                                            <p:cond delay="0"/>
+                                          </p:stCondLst>
+                                        </p:cTn>
+                                        <p:tgtEl>
+                                          <p:spTgt spid="9"/>
+                                        </p:tgtEl>
+                                        <p:attrNameLst>
+                                          <p:attrName>style.visibility</p:attrName>
+                                        </p:attrNameLst>
+                                      </p:cBhvr>
+                                      <p:to>
+                                        <p:strVal val="visible"/>
+                                      </p:to>
+                                    </p:set>
+                                    <p:animEffect transition="in" filter="fade">
+                                      <p:cBhvr>
+                                        <p:cTn id="53" dur="500"/>
+                                        <p:tgtEl>
+                                          <p:spTgt spid="9"/>
+                                        </p:tgtEl>
+                                      </p:cBhvr>
+                                    </p:animEffect>
+                                  </p:childTnLst>
+                                </p:cTn>
+                              </p:par>
+                            </p:childTnLst>
+                          </p:cTn>
+                        </p:par>
+                      </p:childTnLst>
+                    </p:cTn>
+                  </p:par>
+                  <p:par>
+                    <p:cTn id="54" fill="hold">
+                      <p:stCondLst>
+                        <p:cond delay="indefinite"/>
+                      </p:stCondLst>
+                      <p:childTnLst>
+                        <p:par>
+                          <p:cTn id="55" fill="hold">
+                            <p:stCondLst>
+                              <p:cond delay="0"/>
+                            </p:stCondLst>
+                            <p:childTnLst>
+                              <p:par>
+                                <p:cTn id="56" presetID="10" presetClass="entr" presetSubtype="0" fill="hold" grpId="0" nodeType="clickEffect">
+                                  <p:stCondLst>
+                                    <p:cond delay="0"/>
+                                  </p:stCondLst>
+                                  <p:childTnLst>
+                                    <p:set>
+                                      <p:cBhvr>
+                                        <p:cTn id="57" dur="1" fill="hold">
+                                          <p:stCondLst>
+                                            <p:cond delay="0"/>
+                                          </p:stCondLst>
+                                        </p:cTn>
+                                        <p:tgtEl>
+                                          <p:spTgt spid="18"/>
+                                        </p:tgtEl>
+                                        <p:attrNameLst>
+                                          <p:attrName>style.visibility</p:attrName>
+                                        </p:attrNameLst>
+                                      </p:cBhvr>
+                                      <p:to>
+                                        <p:strVal val="visible"/>
+                                      </p:to>
+                                    </p:set>
+                                    <p:animEffect transition="in" filter="fade">
+                                      <p:cBhvr>
+                                        <p:cTn id="58" dur="500"/>
+                                        <p:tgtEl>
+                                          <p:spTgt spid="18"/>
+                                        </p:tgtEl>
+                                      </p:cBhvr>
+                                    </p:animEffect>
+                                  </p:childTnLst>
+                                </p:cTn>
+                              </p:par>
+                            </p:childTnLst>
+                          </p:cTn>
+                        </p:par>
+                      </p:childTnLst>
+                    </p:cTn>
+                  </p:par>
+                  <p:par>
+                    <p:cTn id="59" fill="hold">
+                      <p:stCondLst>
+                        <p:cond delay="indefinite"/>
+                      </p:stCondLst>
+                      <p:childTnLst>
+                        <p:par>
+                          <p:cTn id="60" fill="hold">
+                            <p:stCondLst>
+                              <p:cond delay="0"/>
+                            </p:stCondLst>
+                            <p:childTnLst>
+                              <p:par>
+                                <p:cTn id="61" presetID="10" presetClass="entr" presetSubtype="0" fill="hold" grpId="0" nodeType="clickEffect">
+                                  <p:stCondLst>
+                                    <p:cond delay="0"/>
+                                  </p:stCondLst>
+                                  <p:childTnLst>
+                                    <p:set>
+                                      <p:cBhvr>
+                                        <p:cTn id="62" dur="1" fill="hold">
+                                          <p:stCondLst>
+                                            <p:cond delay="0"/>
+                                          </p:stCondLst>
+                                        </p:cTn>
+                                        <p:tgtEl>
+                                          <p:spTgt spid="27"/>
+                                        </p:tgtEl>
+                                        <p:attrNameLst>
+                                          <p:attrName>style.visibility</p:attrName>
+                                        </p:attrNameLst>
+                                      </p:cBhvr>
+                                      <p:to>
+                                        <p:strVal val="visible"/>
+                                      </p:to>
+                                    </p:set>
+                                    <p:animEffect transition="in" filter="fade">
+                                      <p:cBhvr>
+                                        <p:cTn id="63" dur="500"/>
+                                        <p:tgtEl>
+                                          <p:spTgt spid="27"/>
+                                        </p:tgtEl>
+                                      </p:cBhvr>
+                                    </p:animEffect>
+                                  </p:childTnLst>
+                                </p:cTn>
+                              </p:par>
+                              <p:par>
+                                <p:cTn id="64" presetID="10" presetClass="entr" presetSubtype="0" fill="hold" grpId="0" nodeType="withEffect">
+                                  <p:stCondLst>
+                                    <p:cond delay="0"/>
+                                  </p:stCondLst>
+                                  <p:childTnLst>
+                                    <p:set>
+                                      <p:cBhvr>
+                                        <p:cTn id="65" dur="1" fill="hold">
+                                          <p:stCondLst>
+                                            <p:cond delay="0"/>
+                                          </p:stCondLst>
+                                        </p:cTn>
+                                        <p:tgtEl>
+                                          <p:spTgt spid="16"/>
+                                        </p:tgtEl>
+                                        <p:attrNameLst>
+                                          <p:attrName>style.visibility</p:attrName>
+                                        </p:attrNameLst>
+                                      </p:cBhvr>
+                                      <p:to>
+                                        <p:strVal val="visible"/>
+                                      </p:to>
+                                    </p:set>
+                                    <p:animEffect transition="in" filter="fade">
+                                      <p:cBhvr>
+                                        <p:cTn id="66" dur="500"/>
+                                        <p:tgtEl>
+                                          <p:spTgt spid="16"/>
+                                        </p:tgtEl>
+                                      </p:cBhvr>
+                                    </p:animEffect>
+                                  </p:childTnLst>
+                                </p:cTn>
+                              </p:par>
+                            </p:childTnLst>
+                          </p:cTn>
+                        </p:par>
+                      </p:childTnLst>
+                    </p:cTn>
+                  </p:par>
+                  <p:par>
+                    <p:cTn id="67" fill="hold">
+                      <p:stCondLst>
+                        <p:cond delay="indefinite"/>
+                      </p:stCondLst>
+                      <p:childTnLst>
+                        <p:par>
+                          <p:cTn id="68" fill="hold">
+                            <p:stCondLst>
+                              <p:cond delay="0"/>
+                            </p:stCondLst>
+                            <p:childTnLst>
+                              <p:par>
+                                <p:cTn id="69" presetID="10" presetClass="entr" presetSubtype="0" fill="hold" grpId="0" nodeType="clickEffect">
+                                  <p:stCondLst>
+                                    <p:cond delay="0"/>
+                                  </p:stCondLst>
+                                  <p:childTnLst>
+                                    <p:set>
+                                      <p:cBhvr>
+                                        <p:cTn id="70" dur="1" fill="hold">
+                                          <p:stCondLst>
+                                            <p:cond delay="0"/>
+                                          </p:stCondLst>
+                                        </p:cTn>
+                                        <p:tgtEl>
+                                          <p:spTgt spid="25"/>
+                                        </p:tgtEl>
+                                        <p:attrNameLst>
+                                          <p:attrName>style.visibility</p:attrName>
+                                        </p:attrNameLst>
+                                      </p:cBhvr>
+                                      <p:to>
+                                        <p:strVal val="visible"/>
+                                      </p:to>
+                                    </p:set>
+                                    <p:animEffect transition="in" filter="fade">
+                                      <p:cBhvr>
+                                        <p:cTn id="71" dur="500"/>
+                                        <p:tgtEl>
+                                          <p:spTgt spid="25"/>
+                                        </p:tgtEl>
+                                      </p:cBhvr>
+                                    </p:animEffect>
+                                  </p:childTnLst>
+                                </p:cTn>
+                              </p:par>
+                            </p:childTnLst>
+                          </p:cTn>
+                        </p:par>
+                      </p:childTnLst>
+                    </p:cTn>
+                  </p:par>
+                  <p:par>
+                    <p:cTn id="72" fill="hold">
+                      <p:stCondLst>
+                        <p:cond delay="indefinite"/>
+                      </p:stCondLst>
+                      <p:childTnLst>
+                        <p:par>
+                          <p:cTn id="73" fill="hold">
+                            <p:stCondLst>
+                              <p:cond delay="0"/>
+                            </p:stCondLst>
+                            <p:childTnLst>
+                              <p:par>
+                                <p:cTn id="74" presetID="10" presetClass="entr" presetSubtype="0" fill="hold" grpId="0" nodeType="clickEffect">
+                                  <p:stCondLst>
+                                    <p:cond delay="0"/>
+                                  </p:stCondLst>
+                                  <p:childTnLst>
+                                    <p:set>
+                                      <p:cBhvr>
+                                        <p:cTn id="75" dur="1" fill="hold">
+                                          <p:stCondLst>
+                                            <p:cond delay="0"/>
+                                          </p:stCondLst>
+                                        </p:cTn>
+                                        <p:tgtEl>
+                                          <p:spTgt spid="26"/>
+                                        </p:tgtEl>
+                                        <p:attrNameLst>
+                                          <p:attrName>style.visibility</p:attrName>
+                                        </p:attrNameLst>
+                                      </p:cBhvr>
+                                      <p:to>
+                                        <p:strVal val="visible"/>
+                                      </p:to>
+                                    </p:set>
+                                    <p:animEffect transition="in" filter="fade">
+                                      <p:cBhvr>
+                                        <p:cTn id="76" dur="500"/>
+                                        <p:tgtEl>
+                                          <p:spTgt spid="26"/>
+                                        </p:tgtEl>
+                                      </p:cBhvr>
+                                    </p:animEffect>
+                                  </p:childTnLst>
+                                </p:cTn>
+                              </p:par>
+                              <p:par>
+                                <p:cTn id="77" presetID="10" presetClass="entr" presetSubtype="0" fill="hold" grpId="0" nodeType="withEffect">
+                                  <p:stCondLst>
+                                    <p:cond delay="0"/>
+                                  </p:stCondLst>
+                                  <p:childTnLst>
+                                    <p:set>
+                                      <p:cBhvr>
+                                        <p:cTn id="78" dur="1" fill="hold">
+                                          <p:stCondLst>
+                                            <p:cond delay="0"/>
+                                          </p:stCondLst>
+                                        </p:cTn>
+                                        <p:tgtEl>
+                                          <p:spTgt spid="15"/>
+                                        </p:tgtEl>
+                                        <p:attrNameLst>
+                                          <p:attrName>style.visibility</p:attrName>
+                                        </p:attrNameLst>
+                                      </p:cBhvr>
+                                      <p:to>
+                                        <p:strVal val="visible"/>
+                                      </p:to>
+                                    </p:set>
+                                    <p:animEffect transition="in" filter="fade">
+                                      <p:cBhvr>
+                                        <p:cTn id="79" dur="500"/>
+                                        <p:tgtEl>
+                                          <p:spTgt spid="15"/>
+                                        </p:tgtEl>
+                                      </p:cBhvr>
+                                    </p:animEffect>
+                                  </p:childTnLst>
+                                </p:cTn>
+                              </p:par>
+                            </p:childTnLst>
+                          </p:cTn>
+                        </p:par>
+                      </p:childTnLst>
+                    </p:cTn>
+                  </p:par>
+                </p:childTnLst>
+              </p:cTn>
+              <p:prevCondLst>
+                <p:cond evt="onPrev" delay="0">
+                  <p:tgtEl>
+                    <p:sldTgt/>
+                  </p:tgtEl>
+                </p:cond>
+              </p:prevCondLst>
+              <p:nextCondLst>
+                <p:cond evt="onNext" delay="0">
+                  <p:tgtEl>
+                    <p:sldTgt/>
+                  </p:tgtEl>
+                </p:cond>
+              </p:nextCondLst>
+            </p:seq>
+          </p:childTnLst>
+        </p:cTn>
+      </p:par>
+    </p:tnLst>
+    <p:bldLst>
+      <p:bldP spid="3" grpId="0" animBg="1"/>
+      <p:bldP spid="7" grpId="0" animBg="1"/>
+      <p:bldP spid="8" grpId="0" animBg="1"/>
+      <p:bldP spid="9" grpId="0" animBg="1"/>
+      <p:bldP spid="10" grpId="0" animBg="1"/>
+      <p:bldP spid="11" grpId="0" animBg="1"/>
+      <p:bldP spid="14" grpId="0" animBg="1"/>
+      <p:bldP spid="15" grpId="0" animBg="1"/>
+      <p:bldP spid="16" grpId="0" animBg="1"/>
+      <p:bldP spid="6" grpId="0" animBg="1"/>
+      <p:bldP spid="17" grpId="0" animBg="1"/>
+      <p:bldP spid="18" grpId="0" animBg="1"/>
+      <p:bldP spid="21" grpId="0" animBg="1"/>
+      <p:bldP spid="22" grpId="0" animBg="1"/>
+      <p:bldP spid="23" grpId="0" animBg="1"/>
+      <p:bldP spid="24" grpId="0" animBg="1"/>
+      <p:bldP spid="25" grpId="0" animBg="1"/>
+      <p:bldP spid="26" grpId="0" animBg="1"/>
+      <p:bldP spid="27" grpId="0" animBg="1"/>
+    </p:bldLst>
+  </p:timing>
 </p:sld>
 </file>
 
@@ -15153,16 +16537,11 @@
               <a:rPr lang="en-SG" sz="1800" dirty="0" smtClean="0"/>
               <a:t>others</a:t>
             </a:r>
-            <a:endParaRPr lang="en-SG" sz="1800" dirty="0" smtClean="0"/>
           </a:p>
           <a:p>
             <a:r>
               <a:rPr lang="en-SG" sz="1800" dirty="0" smtClean="0"/>
-              <a:t>Time </a:t>
-            </a:r>
-            <a:r>
-              <a:rPr lang="en-SG" sz="1800" dirty="0" smtClean="0"/>
-              <a:t>consuming (</a:t>
+              <a:t>Time consuming (</a:t>
             </a:r>
             <a:r>
               <a:rPr lang="en-SG" sz="1800" dirty="0" err="1" smtClean="0"/>
@@ -15176,11 +16555,7 @@
           <a:p>
             <a:r>
               <a:rPr lang="en-SG" sz="1800" dirty="0" smtClean="0"/>
-              <a:t>O(n</a:t>
-            </a:r>
-            <a:r>
-              <a:rPr lang="en-SG" sz="1800" dirty="0" smtClean="0"/>
-              <a:t>) vs O(n</a:t>
+              <a:t>O(n) vs O(n</a:t>
             </a:r>
             <a:r>
               <a:rPr lang="en-SG" sz="1800" baseline="30000" dirty="0" smtClean="0"/>
@@ -16555,15 +17930,7 @@
           <a:p>
             <a:r>
               <a:rPr lang="en-SG" dirty="0" smtClean="0"/>
-              <a:t>Still useful to</a:t>
-            </a:r>
-            <a:r>
-              <a:rPr lang="en-SG" dirty="0" smtClean="0"/>
-              <a:t> </a:t>
-            </a:r>
-            <a:r>
-              <a:rPr lang="en-SG" dirty="0" smtClean="0"/>
-              <a:t>flag discrepancies for further examination</a:t>
+              <a:t>Still useful to flag discrepancies for further examination</a:t>
             </a:r>
             <a:endParaRPr lang="en-SG" dirty="0"/>
           </a:p>
@@ -16879,7 +18246,7 @@
           <a:p>
             <a:r>
               <a:rPr lang="en-US" dirty="0" smtClean="0"/>
-              <a:t>But isn’t compiler is compiled by another compiler?</a:t>
+              <a:t>But isn’t the compiler compiled by another compiler?</a:t>
             </a:r>
           </a:p>
           <a:p>

--- a/reflections-on-reflecting-trust-slides.pptx
+++ b/reflections-on-reflecting-trust-slides.pptx
@@ -237,7 +237,7 @@
           <a:p>
             <a:fld id="{DBB36151-A010-D04C-8956-928746249808}" type="datetimeFigureOut">
               <a:rPr lang="en-US" smtClean="0"/>
-              <a:t>1/23/2016</a:t>
+              <a:t>1/24/2016</a:t>
             </a:fld>
             <a:endParaRPr lang="en-US"/>
           </a:p>
@@ -402,7 +402,7 @@
           <a:p>
             <a:fld id="{A4C7C88C-CDFE-4350-B2C5-3C6CAEFDB07C}" type="datetimeFigureOut">
               <a:rPr lang="en-SG" smtClean="0"/>
-              <a:t>23/1/2016</a:t>
+              <a:t>24/1/2016</a:t>
             </a:fld>
             <a:endParaRPr lang="en-SG"/>
           </a:p>
@@ -801,7 +801,7 @@
           <a:p>
             <a:fld id="{422F67E2-38E7-4A1D-97B7-1A3D76F52D34}" type="datetime1">
               <a:rPr lang="en-SG" smtClean="0"/>
-              <a:t>23/1/2016</a:t>
+              <a:t>24/1/2016</a:t>
             </a:fld>
             <a:endParaRPr lang="en-SG"/>
           </a:p>
@@ -971,7 +971,7 @@
           <a:p>
             <a:fld id="{571D26BE-CF29-49E8-90A9-693FA176DA2E}" type="datetime1">
               <a:rPr lang="en-SG" smtClean="0"/>
-              <a:t>23/1/2016</a:t>
+              <a:t>24/1/2016</a:t>
             </a:fld>
             <a:endParaRPr lang="en-SG"/>
           </a:p>
@@ -1151,7 +1151,7 @@
           <a:p>
             <a:fld id="{9465F57D-487B-4FA9-9804-4E6B1445D87E}" type="datetime1">
               <a:rPr lang="en-SG" smtClean="0"/>
-              <a:t>23/1/2016</a:t>
+              <a:t>24/1/2016</a:t>
             </a:fld>
             <a:endParaRPr lang="en-SG"/>
           </a:p>
@@ -1321,7 +1321,7 @@
           <a:p>
             <a:fld id="{FF100F33-09D9-4424-9CFF-3583AE8E001C}" type="datetime1">
               <a:rPr lang="en-SG" smtClean="0"/>
-              <a:t>23/1/2016</a:t>
+              <a:t>24/1/2016</a:t>
             </a:fld>
             <a:endParaRPr lang="en-SG"/>
           </a:p>
@@ -1565,7 +1565,7 @@
           <a:p>
             <a:fld id="{FEDF4C57-AE9B-4009-AE25-E54332066983}" type="datetime1">
               <a:rPr lang="en-SG" smtClean="0"/>
-              <a:t>23/1/2016</a:t>
+              <a:t>24/1/2016</a:t>
             </a:fld>
             <a:endParaRPr lang="en-SG"/>
           </a:p>
@@ -1797,7 +1797,7 @@
           <a:p>
             <a:fld id="{8804DBDF-77D8-4526-82F0-2FD9258F6F4E}" type="datetime1">
               <a:rPr lang="en-SG" smtClean="0"/>
-              <a:t>23/1/2016</a:t>
+              <a:t>24/1/2016</a:t>
             </a:fld>
             <a:endParaRPr lang="en-SG"/>
           </a:p>
@@ -2164,7 +2164,7 @@
           <a:p>
             <a:fld id="{2EDDACF3-1137-43EC-8B9B-FFC39405A05F}" type="datetime1">
               <a:rPr lang="en-SG" smtClean="0"/>
-              <a:t>23/1/2016</a:t>
+              <a:t>24/1/2016</a:t>
             </a:fld>
             <a:endParaRPr lang="en-SG"/>
           </a:p>
@@ -2282,7 +2282,7 @@
           <a:p>
             <a:fld id="{7EA35B8A-1AE7-4E07-AA62-B18CC233816A}" type="datetime1">
               <a:rPr lang="en-SG" smtClean="0"/>
-              <a:t>23/1/2016</a:t>
+              <a:t>24/1/2016</a:t>
             </a:fld>
             <a:endParaRPr lang="en-SG"/>
           </a:p>
@@ -2377,7 +2377,7 @@
           <a:p>
             <a:fld id="{3E5DB0B1-4D46-4B8D-87D9-ED3A0D6268D9}" type="datetime1">
               <a:rPr lang="en-SG" smtClean="0"/>
-              <a:t>23/1/2016</a:t>
+              <a:t>24/1/2016</a:t>
             </a:fld>
             <a:endParaRPr lang="en-SG"/>
           </a:p>
@@ -2654,7 +2654,7 @@
           <a:p>
             <a:fld id="{B5FAF827-52F0-4265-95B3-9B7BE33238A1}" type="datetime1">
               <a:rPr lang="en-SG" smtClean="0"/>
-              <a:t>23/1/2016</a:t>
+              <a:t>24/1/2016</a:t>
             </a:fld>
             <a:endParaRPr lang="en-SG"/>
           </a:p>
@@ -2911,7 +2911,7 @@
           <a:p>
             <a:fld id="{FB910920-7330-4500-8EED-E7F9B59504DB}" type="datetime1">
               <a:rPr lang="en-SG" smtClean="0"/>
-              <a:t>23/1/2016</a:t>
+              <a:t>24/1/2016</a:t>
             </a:fld>
             <a:endParaRPr lang="en-SG"/>
           </a:p>
@@ -3124,7 +3124,7 @@
           <a:p>
             <a:fld id="{049282E9-B576-43F6-B614-0FB8874DC925}" type="datetime1">
               <a:rPr lang="en-SG" smtClean="0"/>
-              <a:t>23/1/2016</a:t>
+              <a:t>24/1/2016</a:t>
             </a:fld>
             <a:endParaRPr lang="en-SG"/>
           </a:p>
@@ -5824,16 +5824,16 @@
               <a:t>./</a:t>
             </a:r>
             <a:r>
-              <a:rPr lang="en-US" sz="1600" dirty="0" err="1"/>
-              <a:t>login.out</a:t>
-            </a:r>
-            <a:r>
-              <a:rPr lang="en-US" sz="1600" dirty="0"/>
-              <a:t> </a:t>
-            </a:r>
-            <a:r>
               <a:rPr lang="en-US" sz="1600" dirty="0" smtClean="0"/>
-              <a:t>hacker </a:t>
+              <a:t>login-</a:t>
+            </a:r>
+            <a:r>
+              <a:rPr lang="en-US" sz="1600" dirty="0" err="1" smtClean="0"/>
+              <a:t>hacked.out</a:t>
+            </a:r>
+            <a:r>
+              <a:rPr lang="en-US" sz="1600" dirty="0" smtClean="0"/>
+              <a:t> hacker </a:t>
             </a:r>
             <a:r>
               <a:rPr lang="en-US" sz="1600" dirty="0" err="1" smtClean="0"/>
@@ -6045,31 +6045,8 @@
               <a:t>./</a:t>
             </a:r>
             <a:r>
-              <a:rPr lang="en-US" sz="1600" dirty="0" err="1"/>
-              <a:t>login.out</a:t>
-            </a:r>
-            <a:r>
               <a:rPr lang="en-US" sz="1600" dirty="0"/>
-              <a:t> </a:t>
-            </a:r>
-            <a:r>
-              <a:rPr lang="en-US" sz="1600" dirty="0" smtClean="0"/>
-              <a:t>hacker </a:t>
-            </a:r>
-            <a:r>
-              <a:rPr lang="en-US" sz="1600" dirty="0" err="1" smtClean="0"/>
-              <a:t>i</a:t>
-            </a:r>
-            <a:r>
-              <a:rPr lang="en-US" sz="1600" dirty="0" smtClean="0"/>
-              <a:t>-hate-numbers</a:t>
-            </a:r>
-          </a:p>
-          <a:p>
-            <a:pPr lvl="1"/>
-            <a:r>
-              <a:rPr lang="en-US" sz="1600" dirty="0"/>
-              <a:t>./compiler-hack-</a:t>
+              <a:t>compiler-hack-</a:t>
             </a:r>
             <a:r>
               <a:rPr lang="en-US" sz="1600" dirty="0" err="1"/>
@@ -7349,49 +7326,6 @@
                                   </p:childTnLst>
                                 </p:cTn>
                               </p:par>
-                              <p:par>
-                                <p:cTn id="64" presetID="10" presetClass="entr" presetSubtype="0" fill="hold" nodeType="withEffect">
-                                  <p:stCondLst>
-                                    <p:cond delay="0"/>
-                                  </p:stCondLst>
-                                  <p:childTnLst>
-                                    <p:set>
-                                      <p:cBhvr>
-                                        <p:cTn id="65" dur="1" fill="hold">
-                                          <p:stCondLst>
-                                            <p:cond delay="0"/>
-                                          </p:stCondLst>
-                                        </p:cTn>
-                                        <p:tgtEl>
-                                          <p:spTgt spid="6">
-                                            <p:txEl>
-                                              <p:pRg st="5" end="5"/>
-                                            </p:txEl>
-                                          </p:spTgt>
-                                        </p:tgtEl>
-                                        <p:attrNameLst>
-                                          <p:attrName>style.visibility</p:attrName>
-                                        </p:attrNameLst>
-                                      </p:cBhvr>
-                                      <p:to>
-                                        <p:strVal val="visible"/>
-                                      </p:to>
-                                    </p:set>
-                                    <p:animEffect transition="in" filter="fade">
-                                      <p:cBhvr>
-                                        <p:cTn id="66" dur="500"/>
-                                        <p:tgtEl>
-                                          <p:spTgt spid="6">
-                                            <p:txEl>
-                                              <p:pRg st="5" end="5"/>
-                                            </p:txEl>
-                                          </p:spTgt>
-                                        </p:tgtEl>
-                                      </p:cBhvr>
-                                    </p:animEffect>
-                                  </p:childTnLst>
-                                </p:cTn>
-                              </p:par>
                             </p:childTnLst>
                           </p:cTn>
                         </p:par>
@@ -7708,7 +7642,7 @@
             <a:pPr lvl="1"/>
             <a:r>
               <a:rPr lang="en-US" sz="1600" dirty="0" smtClean="0"/>
-              <a:t>/evil-child-</a:t>
+              <a:t>./evil-child-</a:t>
             </a:r>
             <a:r>
               <a:rPr lang="en-US" sz="1600" dirty="0" err="1" smtClean="0"/>
@@ -7768,8 +7702,12 @@
           <a:p>
             <a:pPr lvl="1"/>
             <a:r>
+              <a:rPr lang="en-US" sz="1600" dirty="0" smtClean="0"/>
+              <a:t>./</a:t>
+            </a:r>
+            <a:r>
               <a:rPr lang="en-US" sz="1600" dirty="0"/>
-              <a:t>/evil-child-</a:t>
+              <a:t>evil-child-</a:t>
             </a:r>
             <a:r>
               <a:rPr lang="en-US" sz="1600" dirty="0" err="1"/>
@@ -10104,6 +10042,54 @@
           </a:p>
         </p:txBody>
       </p:sp>
+      <p:sp>
+        <p:nvSpPr>
+          <p:cNvPr id="8" name="Rounded Rectangle 7"/>
+          <p:cNvSpPr/>
+          <p:nvPr/>
+        </p:nvSpPr>
+        <p:spPr>
+          <a:xfrm>
+            <a:off x="0" y="6242051"/>
+            <a:ext cx="8030791" cy="593724"/>
+          </a:xfrm>
+          <a:prstGeom prst="roundRect">
+            <a:avLst/>
+          </a:prstGeom>
+        </p:spPr>
+        <p:style>
+          <a:lnRef idx="2">
+            <a:schemeClr val="accent6"/>
+          </a:lnRef>
+          <a:fillRef idx="1">
+            <a:schemeClr val="lt1"/>
+          </a:fillRef>
+          <a:effectRef idx="0">
+            <a:schemeClr val="accent6"/>
+          </a:effectRef>
+          <a:fontRef idx="minor">
+            <a:schemeClr val="dk1"/>
+          </a:fontRef>
+        </p:style>
+        <p:txBody>
+          <a:bodyPr rtlCol="0" anchor="ctr"/>
+          <a:lstStyle/>
+          <a:p>
+            <a:pPr lvl="1"/>
+            <a:r>
+              <a:rPr lang="nl-NL" dirty="0"/>
+              <a:t>Sha256 of clean compiler:</a:t>
+            </a:r>
+          </a:p>
+          <a:p>
+            <a:pPr lvl="1"/>
+            <a:r>
+              <a:rPr lang="nl-NL" dirty="0"/>
+              <a:t>7c76e4144fd9f550e2a846dbdfc7b03ee65c3eeb760b74dbbc9f5f1ae336e4dc</a:t>
+            </a:r>
+          </a:p>
+        </p:txBody>
+      </p:sp>
     </p:spTree>
     <p:extLst>
       <p:ext uri="{BB962C8B-B14F-4D97-AF65-F5344CB8AC3E}">
@@ -10252,7 +10238,12 @@
             <p:ph type="title"/>
           </p:nvPr>
         </p:nvSpPr>
-        <p:spPr/>
+        <p:spPr>
+          <a:xfrm>
+            <a:off x="628650" y="0"/>
+            <a:ext cx="7886700" cy="1325563"/>
+          </a:xfrm>
+        </p:spPr>
         <p:txBody>
           <a:bodyPr/>
           <a:lstStyle/>
@@ -10300,7 +10291,7 @@
         </p:nvSpPr>
         <p:spPr>
           <a:xfrm>
-            <a:off x="391886" y="4380022"/>
+            <a:off x="332014" y="3818851"/>
             <a:ext cx="8479971" cy="2073636"/>
           </a:xfrm>
         </p:spPr>
@@ -10362,16 +10353,12 @@
           <a:p>
             <a:pPr lvl="1"/>
             <a:r>
+              <a:rPr lang="en-US" sz="1800" dirty="0"/>
+              <a:t>./mysha256.out ../stage3/compiler-hack-</a:t>
+            </a:r>
+            <a:r>
               <a:rPr lang="en-US" sz="1800" dirty="0" err="1"/>
-              <a:t>shasum</a:t>
-            </a:r>
-            <a:r>
-              <a:rPr lang="en-US" sz="1800" dirty="0"/>
-              <a:t> -a 256 ../clean-</a:t>
-            </a:r>
-            <a:r>
-              <a:rPr lang="en-US" sz="1800" dirty="0" err="1"/>
-              <a:t>compiler.out</a:t>
+              <a:t>itself.out</a:t>
             </a:r>
             <a:endParaRPr lang="en-US" sz="1800" dirty="0"/>
           </a:p>
@@ -10399,7 +10386,7 @@
         </p:blipFill>
         <p:spPr>
           <a:xfrm>
-            <a:off x="2457450" y="1476828"/>
+            <a:off x="2457450" y="999278"/>
             <a:ext cx="4229100" cy="2628900"/>
           </a:xfrm>
           <a:prstGeom prst="rect">
@@ -10415,7 +10402,7 @@
         </p:nvSpPr>
         <p:spPr>
           <a:xfrm>
-            <a:off x="5425849" y="4169552"/>
+            <a:off x="5763646" y="3651772"/>
             <a:ext cx="3446008" cy="307777"/>
           </a:xfrm>
           <a:prstGeom prst="rect">
@@ -10439,6 +10426,54 @@
             <a:r>
               <a:rPr lang="en-US" sz="1400" dirty="0"/>
               <a:t>/B-Con/crypto-algorithms</a:t>
+            </a:r>
+          </a:p>
+        </p:txBody>
+      </p:sp>
+      <p:sp>
+        <p:nvSpPr>
+          <p:cNvPr id="10" name="Rounded Rectangle 9"/>
+          <p:cNvSpPr/>
+          <p:nvPr/>
+        </p:nvSpPr>
+        <p:spPr>
+          <a:xfrm>
+            <a:off x="0" y="6242051"/>
+            <a:ext cx="8030791" cy="593724"/>
+          </a:xfrm>
+          <a:prstGeom prst="roundRect">
+            <a:avLst/>
+          </a:prstGeom>
+        </p:spPr>
+        <p:style>
+          <a:lnRef idx="2">
+            <a:schemeClr val="accent6"/>
+          </a:lnRef>
+          <a:fillRef idx="1">
+            <a:schemeClr val="lt1"/>
+          </a:fillRef>
+          <a:effectRef idx="0">
+            <a:schemeClr val="accent6"/>
+          </a:effectRef>
+          <a:fontRef idx="minor">
+            <a:schemeClr val="dk1"/>
+          </a:fontRef>
+        </p:style>
+        <p:txBody>
+          <a:bodyPr rtlCol="0" anchor="ctr"/>
+          <a:lstStyle/>
+          <a:p>
+            <a:pPr lvl="1"/>
+            <a:r>
+              <a:rPr lang="nl-NL" dirty="0"/>
+              <a:t>Sha256 of clean compiler:</a:t>
+            </a:r>
+          </a:p>
+          <a:p>
+            <a:pPr lvl="1"/>
+            <a:r>
+              <a:rPr lang="nl-NL" dirty="0"/>
+              <a:t>7c76e4144fd9f550e2a846dbdfc7b03ee65c3eeb760b74dbbc9f5f1ae336e4dc</a:t>
             </a:r>
           </a:p>
         </p:txBody>
@@ -10671,6 +10706,54 @@
           </a:prstGeom>
         </p:spPr>
       </p:pic>
+      <p:sp>
+        <p:nvSpPr>
+          <p:cNvPr id="7" name="Rounded Rectangle 6"/>
+          <p:cNvSpPr/>
+          <p:nvPr/>
+        </p:nvSpPr>
+        <p:spPr>
+          <a:xfrm>
+            <a:off x="0" y="6242051"/>
+            <a:ext cx="8030791" cy="593724"/>
+          </a:xfrm>
+          <a:prstGeom prst="roundRect">
+            <a:avLst/>
+          </a:prstGeom>
+        </p:spPr>
+        <p:style>
+          <a:lnRef idx="2">
+            <a:schemeClr val="accent6"/>
+          </a:lnRef>
+          <a:fillRef idx="1">
+            <a:schemeClr val="lt1"/>
+          </a:fillRef>
+          <a:effectRef idx="0">
+            <a:schemeClr val="accent6"/>
+          </a:effectRef>
+          <a:fontRef idx="minor">
+            <a:schemeClr val="dk1"/>
+          </a:fontRef>
+        </p:style>
+        <p:txBody>
+          <a:bodyPr rtlCol="0" anchor="ctr"/>
+          <a:lstStyle/>
+          <a:p>
+            <a:pPr lvl="1"/>
+            <a:r>
+              <a:rPr lang="nl-NL" dirty="0"/>
+              <a:t>Sha256 of clean compiler:</a:t>
+            </a:r>
+          </a:p>
+          <a:p>
+            <a:pPr lvl="1"/>
+            <a:r>
+              <a:rPr lang="nl-NL" dirty="0"/>
+              <a:t>7c76e4144fd9f550e2a846dbdfc7b03ee65c3eeb760b74dbbc9f5f1ae336e4dc</a:t>
+            </a:r>
+          </a:p>
+        </p:txBody>
+      </p:sp>
     </p:spTree>
     <p:extLst>
       <p:ext uri="{BB962C8B-B14F-4D97-AF65-F5344CB8AC3E}">
@@ -10907,7 +10990,15 @@
             </a:r>
             <a:r>
               <a:rPr lang="en-US" sz="1600" dirty="0"/>
-              <a:t> -a 256 evil-mysha256.out</a:t>
+              <a:t> -a 256 </a:t>
+            </a:r>
+            <a:r>
+              <a:rPr lang="en-US" sz="1600" dirty="0" smtClean="0"/>
+              <a:t>compiler-hack-</a:t>
+            </a:r>
+            <a:r>
+              <a:rPr lang="en-US" sz="1600" dirty="0" err="1" smtClean="0"/>
+              <a:t>ultimate.out</a:t>
             </a:r>
             <a:endParaRPr lang="en-US" sz="1600" dirty="0" smtClean="0"/>
           </a:p>
@@ -11061,6 +11152,54 @@
           <a:p>
             <a:pPr lvl="1"/>
             <a:endParaRPr lang="en-US" sz="1600" dirty="0"/>
+          </a:p>
+        </p:txBody>
+      </p:sp>
+      <p:sp>
+        <p:nvSpPr>
+          <p:cNvPr id="6" name="Rounded Rectangle 5"/>
+          <p:cNvSpPr/>
+          <p:nvPr/>
+        </p:nvSpPr>
+        <p:spPr>
+          <a:xfrm>
+            <a:off x="0" y="6242051"/>
+            <a:ext cx="8030791" cy="593724"/>
+          </a:xfrm>
+          <a:prstGeom prst="roundRect">
+            <a:avLst/>
+          </a:prstGeom>
+        </p:spPr>
+        <p:style>
+          <a:lnRef idx="2">
+            <a:schemeClr val="accent6"/>
+          </a:lnRef>
+          <a:fillRef idx="1">
+            <a:schemeClr val="lt1"/>
+          </a:fillRef>
+          <a:effectRef idx="0">
+            <a:schemeClr val="accent6"/>
+          </a:effectRef>
+          <a:fontRef idx="minor">
+            <a:schemeClr val="dk1"/>
+          </a:fontRef>
+        </p:style>
+        <p:txBody>
+          <a:bodyPr rtlCol="0" anchor="ctr"/>
+          <a:lstStyle/>
+          <a:p>
+            <a:pPr lvl="1"/>
+            <a:r>
+              <a:rPr lang="nl-NL" dirty="0"/>
+              <a:t>Sha256 of clean compiler:</a:t>
+            </a:r>
+          </a:p>
+          <a:p>
+            <a:pPr lvl="1"/>
+            <a:r>
+              <a:rPr lang="nl-NL" dirty="0"/>
+              <a:t>7c76e4144fd9f550e2a846dbdfc7b03ee65c3eeb760b74dbbc9f5f1ae336e4dc</a:t>
+            </a:r>
           </a:p>
         </p:txBody>
       </p:sp>
@@ -11226,6 +11365,280 @@
   <p:clrMapOvr>
     <a:masterClrMapping/>
   </p:clrMapOvr>
+  <p:timing>
+    <p:tnLst>
+      <p:par>
+        <p:cTn id="1" dur="indefinite" restart="never" nodeType="tmRoot">
+          <p:childTnLst>
+            <p:seq concurrent="1" nextAc="seek">
+              <p:cTn id="2" dur="indefinite" nodeType="mainSeq">
+                <p:childTnLst>
+                  <p:par>
+                    <p:cTn id="3" fill="hold">
+                      <p:stCondLst>
+                        <p:cond delay="indefinite"/>
+                      </p:stCondLst>
+                      <p:childTnLst>
+                        <p:par>
+                          <p:cTn id="4" fill="hold">
+                            <p:stCondLst>
+                              <p:cond delay="0"/>
+                            </p:stCondLst>
+                            <p:childTnLst>
+                              <p:par>
+                                <p:cTn id="5" presetID="10" presetClass="entr" presetSubtype="0" fill="hold" nodeType="clickEffect">
+                                  <p:stCondLst>
+                                    <p:cond delay="0"/>
+                                  </p:stCondLst>
+                                  <p:childTnLst>
+                                    <p:set>
+                                      <p:cBhvr>
+                                        <p:cTn id="6" dur="1" fill="hold">
+                                          <p:stCondLst>
+                                            <p:cond delay="0"/>
+                                          </p:stCondLst>
+                                        </p:cTn>
+                                        <p:tgtEl>
+                                          <p:spTgt spid="3">
+                                            <p:txEl>
+                                              <p:pRg st="0" end="0"/>
+                                            </p:txEl>
+                                          </p:spTgt>
+                                        </p:tgtEl>
+                                        <p:attrNameLst>
+                                          <p:attrName>style.visibility</p:attrName>
+                                        </p:attrNameLst>
+                                      </p:cBhvr>
+                                      <p:to>
+                                        <p:strVal val="visible"/>
+                                      </p:to>
+                                    </p:set>
+                                    <p:animEffect transition="in" filter="fade">
+                                      <p:cBhvr>
+                                        <p:cTn id="7" dur="500"/>
+                                        <p:tgtEl>
+                                          <p:spTgt spid="3">
+                                            <p:txEl>
+                                              <p:pRg st="0" end="0"/>
+                                            </p:txEl>
+                                          </p:spTgt>
+                                        </p:tgtEl>
+                                      </p:cBhvr>
+                                    </p:animEffect>
+                                  </p:childTnLst>
+                                </p:cTn>
+                              </p:par>
+                            </p:childTnLst>
+                          </p:cTn>
+                        </p:par>
+                      </p:childTnLst>
+                    </p:cTn>
+                  </p:par>
+                  <p:par>
+                    <p:cTn id="8" fill="hold">
+                      <p:stCondLst>
+                        <p:cond delay="indefinite"/>
+                      </p:stCondLst>
+                      <p:childTnLst>
+                        <p:par>
+                          <p:cTn id="9" fill="hold">
+                            <p:stCondLst>
+                              <p:cond delay="0"/>
+                            </p:stCondLst>
+                            <p:childTnLst>
+                              <p:par>
+                                <p:cTn id="10" presetID="10" presetClass="entr" presetSubtype="0" fill="hold" nodeType="clickEffect">
+                                  <p:stCondLst>
+                                    <p:cond delay="0"/>
+                                  </p:stCondLst>
+                                  <p:childTnLst>
+                                    <p:set>
+                                      <p:cBhvr>
+                                        <p:cTn id="11" dur="1" fill="hold">
+                                          <p:stCondLst>
+                                            <p:cond delay="0"/>
+                                          </p:stCondLst>
+                                        </p:cTn>
+                                        <p:tgtEl>
+                                          <p:spTgt spid="3">
+                                            <p:txEl>
+                                              <p:pRg st="2" end="2"/>
+                                            </p:txEl>
+                                          </p:spTgt>
+                                        </p:tgtEl>
+                                        <p:attrNameLst>
+                                          <p:attrName>style.visibility</p:attrName>
+                                        </p:attrNameLst>
+                                      </p:cBhvr>
+                                      <p:to>
+                                        <p:strVal val="visible"/>
+                                      </p:to>
+                                    </p:set>
+                                    <p:animEffect transition="in" filter="fade">
+                                      <p:cBhvr>
+                                        <p:cTn id="12" dur="500"/>
+                                        <p:tgtEl>
+                                          <p:spTgt spid="3">
+                                            <p:txEl>
+                                              <p:pRg st="2" end="2"/>
+                                            </p:txEl>
+                                          </p:spTgt>
+                                        </p:tgtEl>
+                                      </p:cBhvr>
+                                    </p:animEffect>
+                                  </p:childTnLst>
+                                </p:cTn>
+                              </p:par>
+                            </p:childTnLst>
+                          </p:cTn>
+                        </p:par>
+                      </p:childTnLst>
+                    </p:cTn>
+                  </p:par>
+                  <p:par>
+                    <p:cTn id="13" fill="hold">
+                      <p:stCondLst>
+                        <p:cond delay="indefinite"/>
+                      </p:stCondLst>
+                      <p:childTnLst>
+                        <p:par>
+                          <p:cTn id="14" fill="hold">
+                            <p:stCondLst>
+                              <p:cond delay="0"/>
+                            </p:stCondLst>
+                            <p:childTnLst>
+                              <p:par>
+                                <p:cTn id="15" presetID="10" presetClass="entr" presetSubtype="0" fill="hold" nodeType="clickEffect">
+                                  <p:stCondLst>
+                                    <p:cond delay="0"/>
+                                  </p:stCondLst>
+                                  <p:childTnLst>
+                                    <p:set>
+                                      <p:cBhvr>
+                                        <p:cTn id="16" dur="1" fill="hold">
+                                          <p:stCondLst>
+                                            <p:cond delay="0"/>
+                                          </p:stCondLst>
+                                        </p:cTn>
+                                        <p:tgtEl>
+                                          <p:spTgt spid="3">
+                                            <p:txEl>
+                                              <p:pRg st="4" end="4"/>
+                                            </p:txEl>
+                                          </p:spTgt>
+                                        </p:tgtEl>
+                                        <p:attrNameLst>
+                                          <p:attrName>style.visibility</p:attrName>
+                                        </p:attrNameLst>
+                                      </p:cBhvr>
+                                      <p:to>
+                                        <p:strVal val="visible"/>
+                                      </p:to>
+                                    </p:set>
+                                    <p:animEffect transition="in" filter="fade">
+                                      <p:cBhvr>
+                                        <p:cTn id="17" dur="500"/>
+                                        <p:tgtEl>
+                                          <p:spTgt spid="3">
+                                            <p:txEl>
+                                              <p:pRg st="4" end="4"/>
+                                            </p:txEl>
+                                          </p:spTgt>
+                                        </p:tgtEl>
+                                      </p:cBhvr>
+                                    </p:animEffect>
+                                  </p:childTnLst>
+                                </p:cTn>
+                              </p:par>
+                            </p:childTnLst>
+                          </p:cTn>
+                        </p:par>
+                      </p:childTnLst>
+                    </p:cTn>
+                  </p:par>
+                  <p:par>
+                    <p:cTn id="18" fill="hold">
+                      <p:stCondLst>
+                        <p:cond delay="indefinite"/>
+                      </p:stCondLst>
+                      <p:childTnLst>
+                        <p:par>
+                          <p:cTn id="19" fill="hold">
+                            <p:stCondLst>
+                              <p:cond delay="0"/>
+                            </p:stCondLst>
+                            <p:childTnLst>
+                              <p:par>
+                                <p:cTn id="20" presetID="10" presetClass="entr" presetSubtype="0" fill="hold" nodeType="clickEffect">
+                                  <p:stCondLst>
+                                    <p:cond delay="0"/>
+                                  </p:stCondLst>
+                                  <p:childTnLst>
+                                    <p:set>
+                                      <p:cBhvr>
+                                        <p:cTn id="21" dur="1" fill="hold">
+                                          <p:stCondLst>
+                                            <p:cond delay="0"/>
+                                          </p:stCondLst>
+                                        </p:cTn>
+                                        <p:tgtEl>
+                                          <p:spTgt spid="3">
+                                            <p:txEl>
+                                              <p:pRg st="6" end="6"/>
+                                            </p:txEl>
+                                          </p:spTgt>
+                                        </p:tgtEl>
+                                        <p:attrNameLst>
+                                          <p:attrName>style.visibility</p:attrName>
+                                        </p:attrNameLst>
+                                      </p:cBhvr>
+                                      <p:to>
+                                        <p:strVal val="visible"/>
+                                      </p:to>
+                                    </p:set>
+                                    <p:animEffect transition="in" filter="fade">
+                                      <p:cBhvr>
+                                        <p:cTn id="22" dur="500"/>
+                                        <p:tgtEl>
+                                          <p:spTgt spid="3">
+                                            <p:txEl>
+                                              <p:pRg st="6" end="6"/>
+                                            </p:txEl>
+                                          </p:spTgt>
+                                        </p:tgtEl>
+                                      </p:cBhvr>
+                                    </p:animEffect>
+                                  </p:childTnLst>
+                                </p:cTn>
+                              </p:par>
+                            </p:childTnLst>
+                          </p:cTn>
+                        </p:par>
+                      </p:childTnLst>
+                    </p:cTn>
+                  </p:par>
+                </p:childTnLst>
+              </p:cTn>
+              <p:prevCondLst>
+                <p:cond evt="onPrev" delay="0">
+                  <p:tgtEl>
+                    <p:sldTgt/>
+                  </p:tgtEl>
+                </p:cond>
+              </p:prevCondLst>
+              <p:nextCondLst>
+                <p:cond evt="onNext" delay="0">
+                  <p:tgtEl>
+                    <p:sldTgt/>
+                  </p:tgtEl>
+                </p:cond>
+              </p:nextCondLst>
+            </p:seq>
+          </p:childTnLst>
+        </p:cTn>
+      </p:par>
+    </p:tnLst>
+  </p:timing>
 </p:sld>
 </file>
 
@@ -16378,8 +16791,29 @@
         </p:nvSpPr>
         <p:spPr/>
         <p:txBody>
-          <a:bodyPr/>
-          <a:lstStyle/>
+          <a:bodyPr>
+            <a:normAutofit fontScale="92500" lnSpcReduction="10000"/>
+          </a:bodyPr>
+          <a:lstStyle/>
+          <a:p>
+            <a:r>
+              <a:rPr lang="en-US" dirty="0"/>
+              <a:t>We just ignore the untrusted compiler </a:t>
+            </a:r>
+            <a:r>
+              <a:rPr lang="en-US" dirty="0" smtClean="0"/>
+              <a:t>binary</a:t>
+            </a:r>
+          </a:p>
+          <a:p>
+            <a:endParaRPr lang="en-US" dirty="0" smtClean="0"/>
+          </a:p>
+          <a:p>
+            <a:endParaRPr lang="en-US" dirty="0"/>
+          </a:p>
+          <a:p>
+            <a:endParaRPr lang="en-US" dirty="0" smtClean="0"/>
+          </a:p>
           <a:p>
             <a:r>
               <a:rPr lang="en-US" dirty="0" smtClean="0"/>
@@ -16388,12 +16822,6 @@
           </a:p>
           <a:p>
             <a:endParaRPr lang="en-US" dirty="0"/>
-          </a:p>
-          <a:p>
-            <a:r>
-              <a:rPr lang="en-US" dirty="0" smtClean="0"/>
-              <a:t>We just ignore the untrusted compiler binary</a:t>
-            </a:r>
           </a:p>
           <a:p>
             <a:endParaRPr lang="en-US" dirty="0"/>
@@ -16432,6 +16860,112 @@
               <a:t>34</a:t>
             </a:fld>
             <a:endParaRPr lang="en-SG"/>
+          </a:p>
+        </p:txBody>
+      </p:sp>
+      <p:sp>
+        <p:nvSpPr>
+          <p:cNvPr id="5" name="Rounded Rectangle 4"/>
+          <p:cNvSpPr/>
+          <p:nvPr/>
+        </p:nvSpPr>
+        <p:spPr>
+          <a:xfrm>
+            <a:off x="3426736" y="2456543"/>
+            <a:ext cx="1423264" cy="571500"/>
+          </a:xfrm>
+          <a:prstGeom prst="roundRect">
+            <a:avLst/>
+          </a:prstGeom>
+          <a:solidFill>
+            <a:schemeClr val="accent1"/>
+          </a:solidFill>
+          <a:ln>
+            <a:solidFill>
+              <a:schemeClr val="accent1"/>
+            </a:solidFill>
+          </a:ln>
+        </p:spPr>
+        <p:style>
+          <a:lnRef idx="2">
+            <a:schemeClr val="accent6">
+              <a:shade val="50000"/>
+            </a:schemeClr>
+          </a:lnRef>
+          <a:fillRef idx="1">
+            <a:schemeClr val="accent6"/>
+          </a:fillRef>
+          <a:effectRef idx="0">
+            <a:schemeClr val="accent6"/>
+          </a:effectRef>
+          <a:fontRef idx="minor">
+            <a:schemeClr val="lt1"/>
+          </a:fontRef>
+        </p:style>
+        <p:txBody>
+          <a:bodyPr rtlCol="0" anchor="ctr"/>
+          <a:lstStyle/>
+          <a:p>
+            <a:pPr algn="ctr"/>
+            <a:r>
+              <a:rPr lang="en-SG" sz="1400" dirty="0" smtClean="0"/>
+              <a:t>C-Compiler</a:t>
+            </a:r>
+          </a:p>
+          <a:p>
+            <a:pPr algn="ctr"/>
+            <a:r>
+              <a:rPr lang="en-SG" sz="1400" dirty="0"/>
+              <a:t>b</a:t>
+            </a:r>
+            <a:r>
+              <a:rPr lang="en-SG" sz="1400" dirty="0" smtClean="0"/>
+              <a:t>ackdoor binary</a:t>
+            </a:r>
+            <a:endParaRPr lang="en-SG" sz="1400" dirty="0"/>
+          </a:p>
+        </p:txBody>
+      </p:sp>
+      <p:sp>
+        <p:nvSpPr>
+          <p:cNvPr id="7" name="Multiply 6"/>
+          <p:cNvSpPr/>
+          <p:nvPr/>
+        </p:nvSpPr>
+        <p:spPr>
+          <a:xfrm>
+            <a:off x="2688562" y="2177859"/>
+            <a:ext cx="2899611" cy="1128868"/>
+          </a:xfrm>
+          <a:prstGeom prst="mathMultiply">
+            <a:avLst/>
+          </a:prstGeom>
+          <a:solidFill>
+            <a:srgbClr val="FF0000"/>
+          </a:solidFill>
+        </p:spPr>
+        <p:style>
+          <a:lnRef idx="2">
+            <a:schemeClr val="accent1">
+              <a:shade val="50000"/>
+            </a:schemeClr>
+          </a:lnRef>
+          <a:fillRef idx="1">
+            <a:schemeClr val="accent1"/>
+          </a:fillRef>
+          <a:effectRef idx="0">
+            <a:schemeClr val="accent1"/>
+          </a:effectRef>
+          <a:fontRef idx="minor">
+            <a:schemeClr val="lt1"/>
+          </a:fontRef>
+        </p:style>
+        <p:txBody>
+          <a:bodyPr rtlCol="0" anchor="ctr"/>
+          <a:lstStyle/>
+          <a:p>
+            <a:pPr algn="ctr"/>
+            <a:endParaRPr lang="en-US"/>
           </a:p>
         </p:txBody>
       </p:sp>
@@ -16445,6 +16979,372 @@
   <p:clrMapOvr>
     <a:masterClrMapping/>
   </p:clrMapOvr>
+  <p:timing>
+    <p:tnLst>
+      <p:par>
+        <p:cTn id="1" dur="indefinite" restart="never" nodeType="tmRoot">
+          <p:childTnLst>
+            <p:seq concurrent="1" nextAc="seek">
+              <p:cTn id="2" dur="indefinite" nodeType="mainSeq">
+                <p:childTnLst>
+                  <p:par>
+                    <p:cTn id="3" fill="hold">
+                      <p:stCondLst>
+                        <p:cond delay="indefinite"/>
+                      </p:stCondLst>
+                      <p:childTnLst>
+                        <p:par>
+                          <p:cTn id="4" fill="hold">
+                            <p:stCondLst>
+                              <p:cond delay="0"/>
+                            </p:stCondLst>
+                            <p:childTnLst>
+                              <p:par>
+                                <p:cTn id="5" presetID="10" presetClass="entr" presetSubtype="0" fill="hold" nodeType="clickEffect">
+                                  <p:stCondLst>
+                                    <p:cond delay="0"/>
+                                  </p:stCondLst>
+                                  <p:childTnLst>
+                                    <p:set>
+                                      <p:cBhvr>
+                                        <p:cTn id="6" dur="1" fill="hold">
+                                          <p:stCondLst>
+                                            <p:cond delay="0"/>
+                                          </p:stCondLst>
+                                        </p:cTn>
+                                        <p:tgtEl>
+                                          <p:spTgt spid="3">
+                                            <p:txEl>
+                                              <p:pRg st="0" end="0"/>
+                                            </p:txEl>
+                                          </p:spTgt>
+                                        </p:tgtEl>
+                                        <p:attrNameLst>
+                                          <p:attrName>style.visibility</p:attrName>
+                                        </p:attrNameLst>
+                                      </p:cBhvr>
+                                      <p:to>
+                                        <p:strVal val="visible"/>
+                                      </p:to>
+                                    </p:set>
+                                    <p:animEffect transition="in" filter="fade">
+                                      <p:cBhvr>
+                                        <p:cTn id="7" dur="500"/>
+                                        <p:tgtEl>
+                                          <p:spTgt spid="3">
+                                            <p:txEl>
+                                              <p:pRg st="0" end="0"/>
+                                            </p:txEl>
+                                          </p:spTgt>
+                                        </p:tgtEl>
+                                      </p:cBhvr>
+                                    </p:animEffect>
+                                  </p:childTnLst>
+                                </p:cTn>
+                              </p:par>
+                            </p:childTnLst>
+                          </p:cTn>
+                        </p:par>
+                      </p:childTnLst>
+                    </p:cTn>
+                  </p:par>
+                  <p:par>
+                    <p:cTn id="8" fill="hold">
+                      <p:stCondLst>
+                        <p:cond delay="indefinite"/>
+                      </p:stCondLst>
+                      <p:childTnLst>
+                        <p:par>
+                          <p:cTn id="9" fill="hold">
+                            <p:stCondLst>
+                              <p:cond delay="0"/>
+                            </p:stCondLst>
+                            <p:childTnLst>
+                              <p:par>
+                                <p:cTn id="10" presetID="10" presetClass="entr" presetSubtype="0" fill="hold" grpId="1" nodeType="clickEffect">
+                                  <p:stCondLst>
+                                    <p:cond delay="0"/>
+                                  </p:stCondLst>
+                                  <p:childTnLst>
+                                    <p:set>
+                                      <p:cBhvr>
+                                        <p:cTn id="11" dur="1" fill="hold">
+                                          <p:stCondLst>
+                                            <p:cond delay="0"/>
+                                          </p:stCondLst>
+                                        </p:cTn>
+                                        <p:tgtEl>
+                                          <p:spTgt spid="5"/>
+                                        </p:tgtEl>
+                                        <p:attrNameLst>
+                                          <p:attrName>style.visibility</p:attrName>
+                                        </p:attrNameLst>
+                                      </p:cBhvr>
+                                      <p:to>
+                                        <p:strVal val="visible"/>
+                                      </p:to>
+                                    </p:set>
+                                    <p:animEffect transition="in" filter="fade">
+                                      <p:cBhvr>
+                                        <p:cTn id="12" dur="500"/>
+                                        <p:tgtEl>
+                                          <p:spTgt spid="5"/>
+                                        </p:tgtEl>
+                                      </p:cBhvr>
+                                    </p:animEffect>
+                                  </p:childTnLst>
+                                </p:cTn>
+                              </p:par>
+                            </p:childTnLst>
+                          </p:cTn>
+                        </p:par>
+                      </p:childTnLst>
+                    </p:cTn>
+                  </p:par>
+                  <p:par>
+                    <p:cTn id="13" fill="hold">
+                      <p:stCondLst>
+                        <p:cond delay="indefinite"/>
+                      </p:stCondLst>
+                      <p:childTnLst>
+                        <p:par>
+                          <p:cTn id="14" fill="hold">
+                            <p:stCondLst>
+                              <p:cond delay="0"/>
+                            </p:stCondLst>
+                            <p:childTnLst>
+                              <p:par>
+                                <p:cTn id="15" presetID="10" presetClass="entr" presetSubtype="0" fill="hold" grpId="0" nodeType="clickEffect">
+                                  <p:stCondLst>
+                                    <p:cond delay="0"/>
+                                  </p:stCondLst>
+                                  <p:childTnLst>
+                                    <p:set>
+                                      <p:cBhvr>
+                                        <p:cTn id="16" dur="1" fill="hold">
+                                          <p:stCondLst>
+                                            <p:cond delay="0"/>
+                                          </p:stCondLst>
+                                        </p:cTn>
+                                        <p:tgtEl>
+                                          <p:spTgt spid="7"/>
+                                        </p:tgtEl>
+                                        <p:attrNameLst>
+                                          <p:attrName>style.visibility</p:attrName>
+                                        </p:attrNameLst>
+                                      </p:cBhvr>
+                                      <p:to>
+                                        <p:strVal val="visible"/>
+                                      </p:to>
+                                    </p:set>
+                                    <p:animEffect transition="in" filter="fade">
+                                      <p:cBhvr>
+                                        <p:cTn id="17" dur="500"/>
+                                        <p:tgtEl>
+                                          <p:spTgt spid="7"/>
+                                        </p:tgtEl>
+                                      </p:cBhvr>
+                                    </p:animEffect>
+                                  </p:childTnLst>
+                                </p:cTn>
+                              </p:par>
+                            </p:childTnLst>
+                          </p:cTn>
+                        </p:par>
+                      </p:childTnLst>
+                    </p:cTn>
+                  </p:par>
+                  <p:par>
+                    <p:cTn id="18" fill="hold">
+                      <p:stCondLst>
+                        <p:cond delay="indefinite"/>
+                      </p:stCondLst>
+                      <p:childTnLst>
+                        <p:par>
+                          <p:cTn id="19" fill="hold">
+                            <p:stCondLst>
+                              <p:cond delay="0"/>
+                            </p:stCondLst>
+                            <p:childTnLst>
+                              <p:par>
+                                <p:cTn id="20" presetID="10" presetClass="entr" presetSubtype="0" fill="hold" nodeType="clickEffect">
+                                  <p:stCondLst>
+                                    <p:cond delay="0"/>
+                                  </p:stCondLst>
+                                  <p:childTnLst>
+                                    <p:set>
+                                      <p:cBhvr>
+                                        <p:cTn id="21" dur="1" fill="hold">
+                                          <p:stCondLst>
+                                            <p:cond delay="0"/>
+                                          </p:stCondLst>
+                                        </p:cTn>
+                                        <p:tgtEl>
+                                          <p:spTgt spid="3">
+                                            <p:txEl>
+                                              <p:pRg st="4" end="4"/>
+                                            </p:txEl>
+                                          </p:spTgt>
+                                        </p:tgtEl>
+                                        <p:attrNameLst>
+                                          <p:attrName>style.visibility</p:attrName>
+                                        </p:attrNameLst>
+                                      </p:cBhvr>
+                                      <p:to>
+                                        <p:strVal val="visible"/>
+                                      </p:to>
+                                    </p:set>
+                                    <p:animEffect transition="in" filter="fade">
+                                      <p:cBhvr>
+                                        <p:cTn id="22" dur="500"/>
+                                        <p:tgtEl>
+                                          <p:spTgt spid="3">
+                                            <p:txEl>
+                                              <p:pRg st="4" end="4"/>
+                                            </p:txEl>
+                                          </p:spTgt>
+                                        </p:tgtEl>
+                                      </p:cBhvr>
+                                    </p:animEffect>
+                                  </p:childTnLst>
+                                </p:cTn>
+                              </p:par>
+                            </p:childTnLst>
+                          </p:cTn>
+                        </p:par>
+                      </p:childTnLst>
+                    </p:cTn>
+                  </p:par>
+                  <p:par>
+                    <p:cTn id="23" fill="hold">
+                      <p:stCondLst>
+                        <p:cond delay="indefinite"/>
+                      </p:stCondLst>
+                      <p:childTnLst>
+                        <p:par>
+                          <p:cTn id="24" fill="hold">
+                            <p:stCondLst>
+                              <p:cond delay="0"/>
+                            </p:stCondLst>
+                            <p:childTnLst>
+                              <p:par>
+                                <p:cTn id="25" presetID="10" presetClass="entr" presetSubtype="0" fill="hold" nodeType="clickEffect">
+                                  <p:stCondLst>
+                                    <p:cond delay="0"/>
+                                  </p:stCondLst>
+                                  <p:childTnLst>
+                                    <p:set>
+                                      <p:cBhvr>
+                                        <p:cTn id="26" dur="1" fill="hold">
+                                          <p:stCondLst>
+                                            <p:cond delay="0"/>
+                                          </p:stCondLst>
+                                        </p:cTn>
+                                        <p:tgtEl>
+                                          <p:spTgt spid="3">
+                                            <p:txEl>
+                                              <p:pRg st="7" end="7"/>
+                                            </p:txEl>
+                                          </p:spTgt>
+                                        </p:tgtEl>
+                                        <p:attrNameLst>
+                                          <p:attrName>style.visibility</p:attrName>
+                                        </p:attrNameLst>
+                                      </p:cBhvr>
+                                      <p:to>
+                                        <p:strVal val="visible"/>
+                                      </p:to>
+                                    </p:set>
+                                    <p:animEffect transition="in" filter="fade">
+                                      <p:cBhvr>
+                                        <p:cTn id="27" dur="500"/>
+                                        <p:tgtEl>
+                                          <p:spTgt spid="3">
+                                            <p:txEl>
+                                              <p:pRg st="7" end="7"/>
+                                            </p:txEl>
+                                          </p:spTgt>
+                                        </p:tgtEl>
+                                      </p:cBhvr>
+                                    </p:animEffect>
+                                  </p:childTnLst>
+                                </p:cTn>
+                              </p:par>
+                              <p:par>
+                                <p:cTn id="28" presetID="10" presetClass="entr" presetSubtype="0" fill="hold" nodeType="withEffect">
+                                  <p:stCondLst>
+                                    <p:cond delay="0"/>
+                                  </p:stCondLst>
+                                  <p:childTnLst>
+                                    <p:set>
+                                      <p:cBhvr>
+                                        <p:cTn id="29" dur="1" fill="hold">
+                                          <p:stCondLst>
+                                            <p:cond delay="0"/>
+                                          </p:stCondLst>
+                                        </p:cTn>
+                                        <p:tgtEl>
+                                          <p:spTgt spid="3">
+                                            <p:txEl>
+                                              <p:pRg st="8" end="8"/>
+                                            </p:txEl>
+                                          </p:spTgt>
+                                        </p:tgtEl>
+                                        <p:attrNameLst>
+                                          <p:attrName>style.visibility</p:attrName>
+                                        </p:attrNameLst>
+                                      </p:cBhvr>
+                                      <p:to>
+                                        <p:strVal val="visible"/>
+                                      </p:to>
+                                    </p:set>
+                                    <p:animEffect transition="in" filter="fade">
+                                      <p:cBhvr>
+                                        <p:cTn id="30" dur="500"/>
+                                        <p:tgtEl>
+                                          <p:spTgt spid="3">
+                                            <p:txEl>
+                                              <p:pRg st="8" end="8"/>
+                                            </p:txEl>
+                                          </p:spTgt>
+                                        </p:tgtEl>
+                                      </p:cBhvr>
+                                    </p:animEffect>
+                                  </p:childTnLst>
+                                </p:cTn>
+                              </p:par>
+                            </p:childTnLst>
+                          </p:cTn>
+                        </p:par>
+                      </p:childTnLst>
+                    </p:cTn>
+                  </p:par>
+                </p:childTnLst>
+              </p:cTn>
+              <p:prevCondLst>
+                <p:cond evt="onPrev" delay="0">
+                  <p:tgtEl>
+                    <p:sldTgt/>
+                  </p:tgtEl>
+                </p:cond>
+              </p:prevCondLst>
+              <p:nextCondLst>
+                <p:cond evt="onNext" delay="0">
+                  <p:tgtEl>
+                    <p:sldTgt/>
+                  </p:tgtEl>
+                </p:cond>
+              </p:nextCondLst>
+            </p:seq>
+          </p:childTnLst>
+        </p:cTn>
+      </p:par>
+    </p:tnLst>
+    <p:bldLst>
+      <p:bldP spid="5" grpId="1" animBg="1"/>
+      <p:bldP spid="7" grpId="0" animBg="1"/>
+    </p:bldLst>
+  </p:timing>
 </p:sld>
 </file>
 
@@ -18281,7 +19181,15 @@
           <a:p>
             <a:r>
               <a:rPr lang="en-US" dirty="0" smtClean="0"/>
-              <a:t>So how? Is this attack practical in the first place? How deep do we go down the rabbit hole?</a:t>
+              <a:t>Is this even a problem</a:t>
+            </a:r>
+            <a:r>
+              <a:rPr lang="en-US" dirty="0"/>
+              <a:t>? So how? How </a:t>
+            </a:r>
+            <a:r>
+              <a:rPr lang="en-US" dirty="0" smtClean="0"/>
+              <a:t>deep do we go down the rabbit hole?</a:t>
             </a:r>
           </a:p>
           <a:p>
